--- a/docs/diagrams/VisitWebSequenceDiagram.pptx
+++ b/docs/diagrams/VisitWebSequenceDiagram.pptx
@@ -212,7 +212,7 @@
           <a:p>
             <a:fld id="{F5CC4B3F-88C1-4FFA-B1B6-F41C21DC6924}" type="datetimeFigureOut">
               <a:rPr lang="en-US" smtClean="0"/>
-              <a:t>19-Mar-19</a:t>
+              <a:t>02-Apr-19</a:t>
             </a:fld>
             <a:endParaRPr lang="en-US"/>
           </a:p>
@@ -658,7 +658,7 @@
           <a:p>
             <a:fld id="{78C97017-6FC3-485B-9764-EAC9E56C1D49}" type="datetimeFigureOut">
               <a:rPr lang="en-US" smtClean="0"/>
-              <a:t>19-Mar-19</a:t>
+              <a:t>02-Apr-19</a:t>
             </a:fld>
             <a:endParaRPr lang="en-US"/>
           </a:p>
@@ -826,7 +826,7 @@
           <a:p>
             <a:fld id="{78C97017-6FC3-485B-9764-EAC9E56C1D49}" type="datetimeFigureOut">
               <a:rPr lang="en-US" smtClean="0"/>
-              <a:t>19-Mar-19</a:t>
+              <a:t>02-Apr-19</a:t>
             </a:fld>
             <a:endParaRPr lang="en-US"/>
           </a:p>
@@ -1004,7 +1004,7 @@
           <a:p>
             <a:fld id="{78C97017-6FC3-485B-9764-EAC9E56C1D49}" type="datetimeFigureOut">
               <a:rPr lang="en-US" smtClean="0"/>
-              <a:t>19-Mar-19</a:t>
+              <a:t>02-Apr-19</a:t>
             </a:fld>
             <a:endParaRPr lang="en-US"/>
           </a:p>
@@ -1172,7 +1172,7 @@
           <a:p>
             <a:fld id="{78C97017-6FC3-485B-9764-EAC9E56C1D49}" type="datetimeFigureOut">
               <a:rPr lang="en-US" smtClean="0"/>
-              <a:t>19-Mar-19</a:t>
+              <a:t>02-Apr-19</a:t>
             </a:fld>
             <a:endParaRPr lang="en-US"/>
           </a:p>
@@ -1417,7 +1417,7 @@
           <a:p>
             <a:fld id="{78C97017-6FC3-485B-9764-EAC9E56C1D49}" type="datetimeFigureOut">
               <a:rPr lang="en-US" smtClean="0"/>
-              <a:t>19-Mar-19</a:t>
+              <a:t>02-Apr-19</a:t>
             </a:fld>
             <a:endParaRPr lang="en-US"/>
           </a:p>
@@ -1702,7 +1702,7 @@
           <a:p>
             <a:fld id="{78C97017-6FC3-485B-9764-EAC9E56C1D49}" type="datetimeFigureOut">
               <a:rPr lang="en-US" smtClean="0"/>
-              <a:t>19-Mar-19</a:t>
+              <a:t>02-Apr-19</a:t>
             </a:fld>
             <a:endParaRPr lang="en-US"/>
           </a:p>
@@ -2121,7 +2121,7 @@
           <a:p>
             <a:fld id="{78C97017-6FC3-485B-9764-EAC9E56C1D49}" type="datetimeFigureOut">
               <a:rPr lang="en-US" smtClean="0"/>
-              <a:t>19-Mar-19</a:t>
+              <a:t>02-Apr-19</a:t>
             </a:fld>
             <a:endParaRPr lang="en-US"/>
           </a:p>
@@ -2238,7 +2238,7 @@
           <a:p>
             <a:fld id="{78C97017-6FC3-485B-9764-EAC9E56C1D49}" type="datetimeFigureOut">
               <a:rPr lang="en-US" smtClean="0"/>
-              <a:t>19-Mar-19</a:t>
+              <a:t>02-Apr-19</a:t>
             </a:fld>
             <a:endParaRPr lang="en-US"/>
           </a:p>
@@ -2333,7 +2333,7 @@
           <a:p>
             <a:fld id="{78C97017-6FC3-485B-9764-EAC9E56C1D49}" type="datetimeFigureOut">
               <a:rPr lang="en-US" smtClean="0"/>
-              <a:t>19-Mar-19</a:t>
+              <a:t>02-Apr-19</a:t>
             </a:fld>
             <a:endParaRPr lang="en-US"/>
           </a:p>
@@ -2608,7 +2608,7 @@
           <a:p>
             <a:fld id="{78C97017-6FC3-485B-9764-EAC9E56C1D49}" type="datetimeFigureOut">
               <a:rPr lang="en-US" smtClean="0"/>
-              <a:t>19-Mar-19</a:t>
+              <a:t>02-Apr-19</a:t>
             </a:fld>
             <a:endParaRPr lang="en-US"/>
           </a:p>
@@ -2860,7 +2860,7 @@
           <a:p>
             <a:fld id="{78C97017-6FC3-485B-9764-EAC9E56C1D49}" type="datetimeFigureOut">
               <a:rPr lang="en-US" smtClean="0"/>
-              <a:t>19-Mar-19</a:t>
+              <a:t>02-Apr-19</a:t>
             </a:fld>
             <a:endParaRPr lang="en-US"/>
           </a:p>
@@ -3071,7 +3071,7 @@
           <a:p>
             <a:fld id="{78C97017-6FC3-485B-9764-EAC9E56C1D49}" type="datetimeFigureOut">
               <a:rPr lang="en-US" smtClean="0"/>
-              <a:t>19-Mar-19</a:t>
+              <a:t>02-Apr-19</a:t>
             </a:fld>
             <a:endParaRPr lang="en-US"/>
           </a:p>
@@ -3998,7 +3998,7 @@
           </a:prstGeom>
           <a:ln w="19050">
             <a:solidFill>
-              <a:srgbClr val="00B050"/>
+              <a:srgbClr val="0070C0"/>
             </a:solidFill>
             <a:tailEnd type="arrow"/>
           </a:ln>
@@ -4761,7 +4761,7 @@
           <p:cNvPr id="66" name="Straight Arrow Connector 65">
             <a:extLst>
               <a:ext uri="{FF2B5EF4-FFF2-40B4-BE49-F238E27FC236}">
-                <a16:creationId xmlns="" xmlns:a16="http://schemas.microsoft.com/office/drawing/2014/main" id="{39916E2E-195A-4DC8-B025-B05FA87E6796}"/>
+                <a16:creationId xmlns:a16="http://schemas.microsoft.com/office/drawing/2014/main" xmlns="" id="{39916E2E-195A-4DC8-B025-B05FA87E6796}"/>
               </a:ext>
             </a:extLst>
           </p:cNvPr>
@@ -4805,7 +4805,7 @@
           <p:cNvPr id="67" name="Straight Arrow Connector 66">
             <a:extLst>
               <a:ext uri="{FF2B5EF4-FFF2-40B4-BE49-F238E27FC236}">
-                <a16:creationId xmlns="" xmlns:a16="http://schemas.microsoft.com/office/drawing/2014/main" id="{D881596E-177C-4FDC-8E60-CAB90B3D5FAB}"/>
+                <a16:creationId xmlns:a16="http://schemas.microsoft.com/office/drawing/2014/main" xmlns="" id="{D881596E-177C-4FDC-8E60-CAB90B3D5FAB}"/>
               </a:ext>
             </a:extLst>
           </p:cNvPr>
@@ -4849,7 +4849,7 @@
           <p:cNvPr id="69" name="Straight Arrow Connector 68">
             <a:extLst>
               <a:ext uri="{FF2B5EF4-FFF2-40B4-BE49-F238E27FC236}">
-                <a16:creationId xmlns="" xmlns:a16="http://schemas.microsoft.com/office/drawing/2014/main" id="{7C9F21BC-13A9-471F-825A-2621FD36355F}"/>
+                <a16:creationId xmlns:a16="http://schemas.microsoft.com/office/drawing/2014/main" xmlns="" id="{7C9F21BC-13A9-471F-825A-2621FD36355F}"/>
               </a:ext>
             </a:extLst>
           </p:cNvPr>
@@ -4895,7 +4895,7 @@
           <p:cNvPr id="63" name="Straight Arrow Connector 62">
             <a:extLst>
               <a:ext uri="{FF2B5EF4-FFF2-40B4-BE49-F238E27FC236}">
-                <a16:creationId xmlns="" xmlns:a16="http://schemas.microsoft.com/office/drawing/2014/main" id="{7C9F21BC-13A9-471F-825A-2621FD36355F}"/>
+                <a16:creationId xmlns:a16="http://schemas.microsoft.com/office/drawing/2014/main" xmlns="" id="{7C9F21BC-13A9-471F-825A-2621FD36355F}"/>
               </a:ext>
             </a:extLst>
           </p:cNvPr>
@@ -5122,9 +5122,9 @@
           <p:nvPr/>
         </p:nvCxnSpPr>
         <p:spPr>
-          <a:xfrm flipH="1">
-            <a:off x="7234625" y="3165659"/>
-            <a:ext cx="3959" cy="1735710"/>
+          <a:xfrm>
+            <a:off x="7238585" y="3165659"/>
+            <a:ext cx="415" cy="1598728"/>
           </a:xfrm>
           <a:prstGeom prst="line">
             <a:avLst/>
@@ -5157,7 +5157,7 @@
           <p:cNvPr id="70" name="Straight Arrow Connector 69">
             <a:extLst>
               <a:ext uri="{FF2B5EF4-FFF2-40B4-BE49-F238E27FC236}">
-                <a16:creationId xmlns="" xmlns:a16="http://schemas.microsoft.com/office/drawing/2014/main" id="{7C9F21BC-13A9-471F-825A-2621FD36355F}"/>
+                <a16:creationId xmlns:a16="http://schemas.microsoft.com/office/drawing/2014/main" xmlns="" id="{7C9F21BC-13A9-471F-825A-2621FD36355F}"/>
               </a:ext>
             </a:extLst>
           </p:cNvPr>
@@ -5206,7 +5206,7 @@
         </p:nvSpPr>
         <p:spPr>
           <a:xfrm>
-            <a:off x="8482903" y="2880088"/>
+            <a:off x="8389702" y="2872560"/>
             <a:ext cx="1472754" cy="346760"/>
           </a:xfrm>
           <a:prstGeom prst="rect">
@@ -5283,7 +5283,7 @@
           </a:prstGeom>
           <a:ln w="19050">
             <a:solidFill>
-              <a:srgbClr val="7030A0"/>
+              <a:srgbClr val="00B050"/>
             </a:solidFill>
             <a:tailEnd type="arrow"/>
           </a:ln>
@@ -5312,9 +5312,9 @@
           <p:nvPr/>
         </p:nvCxnSpPr>
         <p:spPr>
-          <a:xfrm flipH="1">
-            <a:off x="9122119" y="3226848"/>
-            <a:ext cx="3959" cy="1735710"/>
+          <a:xfrm>
+            <a:off x="9108226" y="3228174"/>
+            <a:ext cx="17921" cy="1537539"/>
           </a:xfrm>
           <a:prstGeom prst="line">
             <a:avLst/>
@@ -5347,7 +5347,7 @@
           <p:cNvPr id="74" name="Straight Arrow Connector 73">
             <a:extLst>
               <a:ext uri="{FF2B5EF4-FFF2-40B4-BE49-F238E27FC236}">
-                <a16:creationId xmlns="" xmlns:a16="http://schemas.microsoft.com/office/drawing/2014/main" id="{7C9F21BC-13A9-471F-825A-2621FD36355F}"/>
+                <a16:creationId xmlns:a16="http://schemas.microsoft.com/office/drawing/2014/main" xmlns="" id="{7C9F21BC-13A9-471F-825A-2621FD36355F}"/>
               </a:ext>
             </a:extLst>
           </p:cNvPr>
@@ -5402,6 +5402,9 @@
           <a:prstGeom prst="rect">
             <a:avLst/>
           </a:prstGeom>
+          <a:ln>
+            <a:noFill/>
+          </a:ln>
         </p:spPr>
         <p:txBody>
           <a:bodyPr wrap="square">
@@ -5412,9 +5415,7 @@
             <a:r>
               <a:rPr lang="en-US" sz="900" dirty="0" err="1" smtClean="0">
                 <a:solidFill>
-                  <a:schemeClr val="accent4">
-                    <a:lumMod val="75000"/>
-                  </a:schemeClr>
+                  <a:srgbClr val="00B050"/>
                 </a:solidFill>
               </a:rPr>
               <a:t>loadPage</a:t>
@@ -5422,9 +5423,7 @@
             <a:r>
               <a:rPr lang="en-US" sz="900" dirty="0" smtClean="0">
                 <a:solidFill>
-                  <a:schemeClr val="accent4">
-                    <a:lumMod val="75000"/>
-                  </a:schemeClr>
+                  <a:srgbClr val="00B050"/>
                 </a:solidFill>
               </a:rPr>
               <a:t>(</a:t>
@@ -5432,9 +5431,7 @@
             <a:r>
               <a:rPr lang="en-US" sz="900" dirty="0" err="1" smtClean="0">
                 <a:solidFill>
-                  <a:schemeClr val="accent4">
-                    <a:lumMod val="75000"/>
-                  </a:schemeClr>
+                  <a:srgbClr val="00B050"/>
                 </a:solidFill>
               </a:rPr>
               <a:t>Restaurant.weblink</a:t>
@@ -5442,18 +5439,14 @@
             <a:r>
               <a:rPr lang="en-US" sz="900" dirty="0" smtClean="0">
                 <a:solidFill>
-                  <a:schemeClr val="accent4">
-                    <a:lumMod val="75000"/>
-                  </a:schemeClr>
+                  <a:srgbClr val="00B050"/>
                 </a:solidFill>
               </a:rPr>
               <a:t>)</a:t>
             </a:r>
             <a:endParaRPr lang="en-US" sz="900" dirty="0">
               <a:solidFill>
-                <a:schemeClr val="accent4">
-                  <a:lumMod val="75000"/>
-                </a:schemeClr>
+                <a:srgbClr val="00B050"/>
               </a:solidFill>
             </a:endParaRPr>
           </a:p>

--- a/docs/diagrams/VisitWebSequenceDiagram.pptx
+++ b/docs/diagrams/VisitWebSequenceDiagram.pptx
@@ -212,7 +212,7 @@
           <a:p>
             <a:fld id="{F5CC4B3F-88C1-4FFA-B1B6-F41C21DC6924}" type="datetimeFigureOut">
               <a:rPr lang="en-US" smtClean="0"/>
-              <a:t>02-Apr-19</a:t>
+              <a:t>14-Apr-19</a:t>
             </a:fld>
             <a:endParaRPr lang="en-US"/>
           </a:p>
@@ -479,6 +479,90 @@
 </p:notesMaster>
 </file>
 
+<file path=ppt/notesSlides/notesSlide1.xml><?xml version="1.0" encoding="utf-8"?>
+<p:notes xmlns:a="http://schemas.openxmlformats.org/drawingml/2006/main" xmlns:r="http://schemas.openxmlformats.org/officeDocument/2006/relationships" xmlns:p="http://schemas.openxmlformats.org/presentationml/2006/main">
+  <p:cSld>
+    <p:spTree>
+      <p:nvGrpSpPr>
+        <p:cNvPr id="1" name=""/>
+        <p:cNvGrpSpPr/>
+        <p:nvPr/>
+      </p:nvGrpSpPr>
+      <p:grpSpPr>
+        <a:xfrm>
+          <a:off x="0" y="0"/>
+          <a:ext cx="0" cy="0"/>
+          <a:chOff x="0" y="0"/>
+          <a:chExt cx="0" cy="0"/>
+        </a:xfrm>
+      </p:grpSpPr>
+      <p:sp>
+        <p:nvSpPr>
+          <p:cNvPr id="2" name="Slide Image Placeholder 1"/>
+          <p:cNvSpPr>
+            <a:spLocks noGrp="1" noRot="1" noChangeAspect="1"/>
+          </p:cNvSpPr>
+          <p:nvPr>
+            <p:ph type="sldImg"/>
+          </p:nvPr>
+        </p:nvSpPr>
+        <p:spPr/>
+      </p:sp>
+      <p:sp>
+        <p:nvSpPr>
+          <p:cNvPr id="3" name="Notes Placeholder 2"/>
+          <p:cNvSpPr>
+            <a:spLocks noGrp="1"/>
+          </p:cNvSpPr>
+          <p:nvPr>
+            <p:ph type="body" idx="1"/>
+          </p:nvPr>
+        </p:nvSpPr>
+        <p:spPr/>
+        <p:txBody>
+          <a:bodyPr/>
+          <a:lstStyle/>
+          <a:p>
+            <a:endParaRPr lang="en-US" dirty="0"/>
+          </a:p>
+        </p:txBody>
+      </p:sp>
+      <p:sp>
+        <p:nvSpPr>
+          <p:cNvPr id="4" name="Slide Number Placeholder 3"/>
+          <p:cNvSpPr>
+            <a:spLocks noGrp="1"/>
+          </p:cNvSpPr>
+          <p:nvPr>
+            <p:ph type="sldNum" sz="quarter" idx="10"/>
+          </p:nvPr>
+        </p:nvSpPr>
+        <p:spPr/>
+        <p:txBody>
+          <a:bodyPr/>
+          <a:lstStyle/>
+          <a:p>
+            <a:fld id="{5A7AB025-77E3-4BD1-A2FD-B3183DBA47A3}" type="slidenum">
+              <a:rPr lang="en-US" smtClean="0"/>
+              <a:t>1</a:t>
+            </a:fld>
+            <a:endParaRPr lang="en-US"/>
+          </a:p>
+        </p:txBody>
+      </p:sp>
+    </p:spTree>
+    <p:extLst>
+      <p:ext uri="{BB962C8B-B14F-4D97-AF65-F5344CB8AC3E}">
+        <p14:creationId xmlns:p14="http://schemas.microsoft.com/office/powerpoint/2010/main" val="3301230210"/>
+      </p:ext>
+    </p:extLst>
+  </p:cSld>
+  <p:clrMapOvr>
+    <a:masterClrMapping/>
+  </p:clrMapOvr>
+</p:notes>
+</file>
+
 <file path=ppt/slideLayouts/slideLayout1.xml><?xml version="1.0" encoding="utf-8"?>
 <p:sldLayout xmlns:a="http://schemas.openxmlformats.org/drawingml/2006/main" xmlns:r="http://schemas.openxmlformats.org/officeDocument/2006/relationships" xmlns:p="http://schemas.openxmlformats.org/presentationml/2006/main" type="title" preserve="1">
   <p:cSld name="Title Slide">
@@ -658,7 +742,7 @@
           <a:p>
             <a:fld id="{78C97017-6FC3-485B-9764-EAC9E56C1D49}" type="datetimeFigureOut">
               <a:rPr lang="en-US" smtClean="0"/>
-              <a:t>02-Apr-19</a:t>
+              <a:t>14-Apr-19</a:t>
             </a:fld>
             <a:endParaRPr lang="en-US"/>
           </a:p>
@@ -826,7 +910,7 @@
           <a:p>
             <a:fld id="{78C97017-6FC3-485B-9764-EAC9E56C1D49}" type="datetimeFigureOut">
               <a:rPr lang="en-US" smtClean="0"/>
-              <a:t>02-Apr-19</a:t>
+              <a:t>14-Apr-19</a:t>
             </a:fld>
             <a:endParaRPr lang="en-US"/>
           </a:p>
@@ -1004,7 +1088,7 @@
           <a:p>
             <a:fld id="{78C97017-6FC3-485B-9764-EAC9E56C1D49}" type="datetimeFigureOut">
               <a:rPr lang="en-US" smtClean="0"/>
-              <a:t>02-Apr-19</a:t>
+              <a:t>14-Apr-19</a:t>
             </a:fld>
             <a:endParaRPr lang="en-US"/>
           </a:p>
@@ -1172,7 +1256,7 @@
           <a:p>
             <a:fld id="{78C97017-6FC3-485B-9764-EAC9E56C1D49}" type="datetimeFigureOut">
               <a:rPr lang="en-US" smtClean="0"/>
-              <a:t>02-Apr-19</a:t>
+              <a:t>14-Apr-19</a:t>
             </a:fld>
             <a:endParaRPr lang="en-US"/>
           </a:p>
@@ -1417,7 +1501,7 @@
           <a:p>
             <a:fld id="{78C97017-6FC3-485B-9764-EAC9E56C1D49}" type="datetimeFigureOut">
               <a:rPr lang="en-US" smtClean="0"/>
-              <a:t>02-Apr-19</a:t>
+              <a:t>14-Apr-19</a:t>
             </a:fld>
             <a:endParaRPr lang="en-US"/>
           </a:p>
@@ -1702,7 +1786,7 @@
           <a:p>
             <a:fld id="{78C97017-6FC3-485B-9764-EAC9E56C1D49}" type="datetimeFigureOut">
               <a:rPr lang="en-US" smtClean="0"/>
-              <a:t>02-Apr-19</a:t>
+              <a:t>14-Apr-19</a:t>
             </a:fld>
             <a:endParaRPr lang="en-US"/>
           </a:p>
@@ -2121,7 +2205,7 @@
           <a:p>
             <a:fld id="{78C97017-6FC3-485B-9764-EAC9E56C1D49}" type="datetimeFigureOut">
               <a:rPr lang="en-US" smtClean="0"/>
-              <a:t>02-Apr-19</a:t>
+              <a:t>14-Apr-19</a:t>
             </a:fld>
             <a:endParaRPr lang="en-US"/>
           </a:p>
@@ -2238,7 +2322,7 @@
           <a:p>
             <a:fld id="{78C97017-6FC3-485B-9764-EAC9E56C1D49}" type="datetimeFigureOut">
               <a:rPr lang="en-US" smtClean="0"/>
-              <a:t>02-Apr-19</a:t>
+              <a:t>14-Apr-19</a:t>
             </a:fld>
             <a:endParaRPr lang="en-US"/>
           </a:p>
@@ -2333,7 +2417,7 @@
           <a:p>
             <a:fld id="{78C97017-6FC3-485B-9764-EAC9E56C1D49}" type="datetimeFigureOut">
               <a:rPr lang="en-US" smtClean="0"/>
-              <a:t>02-Apr-19</a:t>
+              <a:t>14-Apr-19</a:t>
             </a:fld>
             <a:endParaRPr lang="en-US"/>
           </a:p>
@@ -2608,7 +2692,7 @@
           <a:p>
             <a:fld id="{78C97017-6FC3-485B-9764-EAC9E56C1D49}" type="datetimeFigureOut">
               <a:rPr lang="en-US" smtClean="0"/>
-              <a:t>02-Apr-19</a:t>
+              <a:t>14-Apr-19</a:t>
             </a:fld>
             <a:endParaRPr lang="en-US"/>
           </a:p>
@@ -2860,7 +2944,7 @@
           <a:p>
             <a:fld id="{78C97017-6FC3-485B-9764-EAC9E56C1D49}" type="datetimeFigureOut">
               <a:rPr lang="en-US" smtClean="0"/>
-              <a:t>02-Apr-19</a:t>
+              <a:t>14-Apr-19</a:t>
             </a:fld>
             <a:endParaRPr lang="en-US"/>
           </a:p>
@@ -3071,7 +3155,7 @@
           <a:p>
             <a:fld id="{78C97017-6FC3-485B-9764-EAC9E56C1D49}" type="datetimeFigureOut">
               <a:rPr lang="en-US" smtClean="0"/>
-              <a:t>02-Apr-19</a:t>
+              <a:t>14-Apr-19</a:t>
             </a:fld>
             <a:endParaRPr lang="en-US"/>
           </a:p>
@@ -3448,14 +3532,14 @@
       </p:grpSpPr>
       <p:sp>
         <p:nvSpPr>
-          <p:cNvPr id="56" name="Rectangle 65"/>
+          <p:cNvPr id="157" name="Rectangle 65"/>
           <p:cNvSpPr/>
           <p:nvPr/>
         </p:nvSpPr>
         <p:spPr>
           <a:xfrm>
-            <a:off x="5184115" y="533399"/>
-            <a:ext cx="1644131" cy="4356803"/>
+            <a:off x="-1179319" y="-152400"/>
+            <a:ext cx="11557686" cy="7848600"/>
           </a:xfrm>
           <a:prstGeom prst="roundRect">
             <a:avLst>
@@ -3463,10 +3547,7 @@
             </a:avLst>
           </a:prstGeom>
           <a:solidFill>
-            <a:schemeClr val="accent4">
-              <a:lumMod val="20000"/>
-              <a:lumOff val="80000"/>
-            </a:schemeClr>
+            <a:schemeClr val="bg1"/>
           </a:solidFill>
           <a:ln w="19050">
             <a:noFill/>
@@ -3491,17 +3572,9 @@
           <a:bodyPr rtlCol="0" anchor="t"/>
           <a:lstStyle/>
           <a:p>
-            <a:r>
-              <a:rPr lang="en-US" sz="1200" b="1" dirty="0">
-                <a:solidFill>
-                  <a:srgbClr val="7030A0"/>
-                </a:solidFill>
-              </a:rPr>
-              <a:t>Model</a:t>
-            </a:r>
             <a:endParaRPr lang="en-SG" sz="1200" b="1" dirty="0">
               <a:solidFill>
-                <a:srgbClr val="7030A0"/>
+                <a:srgbClr val="0070C0"/>
               </a:solidFill>
             </a:endParaRPr>
           </a:p>
@@ -3509,14 +3582,14 @@
       </p:sp>
       <p:sp>
         <p:nvSpPr>
-          <p:cNvPr id="81" name="Rectangle 65"/>
+          <p:cNvPr id="56" name="Rectangle 65"/>
           <p:cNvSpPr/>
           <p:nvPr/>
         </p:nvSpPr>
         <p:spPr>
           <a:xfrm>
-            <a:off x="-762000" y="533400"/>
-            <a:ext cx="5863964" cy="4343400"/>
+            <a:off x="5184115" y="533399"/>
+            <a:ext cx="1644131" cy="2971801"/>
           </a:xfrm>
           <a:prstGeom prst="roundRect">
             <a:avLst>
@@ -3524,7 +3597,7 @@
             </a:avLst>
           </a:prstGeom>
           <a:solidFill>
-            <a:schemeClr val="accent1">
+            <a:schemeClr val="accent4">
               <a:lumMod val="20000"/>
               <a:lumOff val="80000"/>
             </a:schemeClr>
@@ -3555,14 +3628,14 @@
             <a:r>
               <a:rPr lang="en-US" sz="1200" b="1" dirty="0">
                 <a:solidFill>
-                  <a:srgbClr val="0070C0"/>
+                  <a:srgbClr val="7030A0"/>
                 </a:solidFill>
               </a:rPr>
-              <a:t>Logic</a:t>
+              <a:t>Model</a:t>
             </a:r>
             <a:endParaRPr lang="en-SG" sz="1200" b="1" dirty="0">
               <a:solidFill>
-                <a:srgbClr val="0070C0"/>
+                <a:srgbClr val="7030A0"/>
               </a:solidFill>
             </a:endParaRPr>
           </a:p>
@@ -3570,25 +3643,28 @@
       </p:sp>
       <p:sp>
         <p:nvSpPr>
-          <p:cNvPr id="2" name="Rectangle 62"/>
+          <p:cNvPr id="81" name="Rectangle 65"/>
           <p:cNvSpPr/>
           <p:nvPr/>
         </p:nvSpPr>
         <p:spPr>
           <a:xfrm>
-            <a:off x="-91631" y="958357"/>
-            <a:ext cx="1455629" cy="346760"/>
-          </a:xfrm>
-          <a:prstGeom prst="rect">
-            <a:avLst/>
+            <a:off x="-766061" y="522122"/>
+            <a:ext cx="5863964" cy="6793078"/>
+          </a:xfrm>
+          <a:prstGeom prst="roundRect">
+            <a:avLst>
+              <a:gd name="adj" fmla="val 3484"/>
+            </a:avLst>
           </a:prstGeom>
           <a:solidFill>
-            <a:srgbClr val="0070C0"/>
+            <a:schemeClr val="accent1">
+              <a:lumMod val="20000"/>
+              <a:lumOff val="80000"/>
+            </a:schemeClr>
           </a:solidFill>
           <a:ln w="19050">
-            <a:solidFill>
-              <a:srgbClr val="0070C0"/>
-            </a:solidFill>
+            <a:noFill/>
           </a:ln>
           <a:effectLst/>
         </p:spPr>
@@ -3607,6 +3683,66 @@
           </a:fontRef>
         </p:style>
         <p:txBody>
+          <a:bodyPr rtlCol="0" anchor="t"/>
+          <a:lstStyle/>
+          <a:p>
+            <a:r>
+              <a:rPr lang="en-US" sz="1200" b="1" dirty="0">
+                <a:solidFill>
+                  <a:srgbClr val="0070C0"/>
+                </a:solidFill>
+              </a:rPr>
+              <a:t>Logic</a:t>
+            </a:r>
+            <a:endParaRPr lang="en-SG" sz="1200" b="1" dirty="0">
+              <a:solidFill>
+                <a:srgbClr val="0070C0"/>
+              </a:solidFill>
+            </a:endParaRPr>
+          </a:p>
+        </p:txBody>
+      </p:sp>
+      <p:sp>
+        <p:nvSpPr>
+          <p:cNvPr id="2" name="Rectangle 62"/>
+          <p:cNvSpPr/>
+          <p:nvPr/>
+        </p:nvSpPr>
+        <p:spPr>
+          <a:xfrm>
+            <a:off x="-91631" y="958357"/>
+            <a:ext cx="1455629" cy="346760"/>
+          </a:xfrm>
+          <a:prstGeom prst="rect">
+            <a:avLst/>
+          </a:prstGeom>
+          <a:solidFill>
+            <a:srgbClr val="0070C0"/>
+          </a:solidFill>
+          <a:ln w="19050">
+            <a:solidFill>
+              <a:schemeClr val="accent1">
+                <a:lumMod val="75000"/>
+              </a:schemeClr>
+            </a:solidFill>
+          </a:ln>
+          <a:effectLst/>
+        </p:spPr>
+        <p:style>
+          <a:lnRef idx="1">
+            <a:schemeClr val="accent2"/>
+          </a:lnRef>
+          <a:fillRef idx="2">
+            <a:schemeClr val="accent2"/>
+          </a:fillRef>
+          <a:effectRef idx="1">
+            <a:schemeClr val="accent2"/>
+          </a:effectRef>
+          <a:fontRef idx="minor">
+            <a:schemeClr val="dk1"/>
+          </a:fontRef>
+        </p:style>
+        <p:txBody>
           <a:bodyPr rtlCol="0" anchor="ctr"/>
           <a:lstStyle/>
           <a:p>
@@ -3644,9 +3780,9 @@
           <p:nvPr/>
         </p:nvCxnSpPr>
         <p:spPr>
-          <a:xfrm>
-            <a:off x="636184" y="1282988"/>
-            <a:ext cx="0" cy="3481399"/>
+          <a:xfrm flipH="1">
+            <a:off x="628093" y="1282988"/>
+            <a:ext cx="8092" cy="6032212"/>
           </a:xfrm>
           <a:prstGeom prst="line">
             <a:avLst/>
@@ -3682,8 +3818,8 @@
         </p:nvSpPr>
         <p:spPr>
           <a:xfrm>
-            <a:off x="567513" y="1603552"/>
-            <a:ext cx="152400" cy="2932689"/>
+            <a:off x="567512" y="1603552"/>
+            <a:ext cx="153735" cy="5559248"/>
           </a:xfrm>
           <a:prstGeom prst="rect">
             <a:avLst/>
@@ -3693,7 +3829,9 @@
           </a:solidFill>
           <a:ln>
             <a:solidFill>
-              <a:srgbClr val="0070C0"/>
+              <a:schemeClr val="accent1">
+                <a:lumMod val="75000"/>
+              </a:schemeClr>
             </a:solidFill>
           </a:ln>
           <a:effectLst/>
@@ -3740,7 +3878,9 @@
           </a:solidFill>
           <a:ln w="19050">
             <a:solidFill>
-              <a:srgbClr val="0070C0"/>
+              <a:schemeClr val="accent1">
+                <a:lumMod val="75000"/>
+              </a:schemeClr>
             </a:solidFill>
           </a:ln>
           <a:effectLst/>
@@ -3813,9 +3953,9 @@
           <p:nvPr/>
         </p:nvCxnSpPr>
         <p:spPr>
-          <a:xfrm>
-            <a:off x="2820774" y="1277999"/>
-            <a:ext cx="0" cy="1482984"/>
+          <a:xfrm flipH="1">
+            <a:off x="2802133" y="1277999"/>
+            <a:ext cx="18641" cy="1312801"/>
           </a:xfrm>
           <a:prstGeom prst="line">
             <a:avLst/>
@@ -3852,7 +3992,7 @@
         <p:spPr>
           <a:xfrm>
             <a:off x="2748767" y="1736192"/>
-            <a:ext cx="154408" cy="767790"/>
+            <a:ext cx="130527" cy="674320"/>
           </a:xfrm>
           <a:prstGeom prst="rect">
             <a:avLst/>
@@ -3862,7 +4002,9 @@
           </a:solidFill>
           <a:ln>
             <a:solidFill>
-              <a:srgbClr val="0070C0"/>
+              <a:schemeClr val="accent1">
+                <a:lumMod val="75000"/>
+              </a:schemeClr>
             </a:solidFill>
           </a:ln>
           <a:effectLst/>
@@ -3899,15 +4041,15 @@
           <p:cNvPr id="20" name="Straight Connector 19"/>
           <p:cNvCxnSpPr>
             <a:cxnSpLocks/>
-            <a:stCxn id="21" idx="0"/>
+            <a:stCxn id="21" idx="2"/>
             <a:endCxn id="4" idx="0"/>
           </p:cNvCxnSpPr>
           <p:nvPr/>
         </p:nvCxnSpPr>
         <p:spPr>
-          <a:xfrm>
-            <a:off x="4372269" y="1984015"/>
-            <a:ext cx="0" cy="2644578"/>
+          <a:xfrm flipH="1">
+            <a:off x="4354414" y="2260018"/>
+            <a:ext cx="17855" cy="4994700"/>
           </a:xfrm>
           <a:prstGeom prst="line">
             <a:avLst/>
@@ -3954,7 +4096,9 @@
           </a:solidFill>
           <a:ln>
             <a:solidFill>
-              <a:srgbClr val="0070C0"/>
+              <a:schemeClr val="accent1">
+                <a:lumMod val="75000"/>
+              </a:schemeClr>
             </a:solidFill>
           </a:ln>
           <a:effectLst/>
@@ -4125,7 +4269,7 @@
         </p:nvSpPr>
         <p:spPr>
           <a:xfrm>
-            <a:off x="2013608" y="2854453"/>
+            <a:off x="2015881" y="2616763"/>
             <a:ext cx="855809" cy="215444"/>
           </a:xfrm>
           <a:prstGeom prst="rect">
@@ -4205,7 +4349,7 @@
         </p:nvCxnSpPr>
         <p:spPr>
           <a:xfrm>
-            <a:off x="727385" y="2503982"/>
+            <a:off x="719913" y="2410512"/>
             <a:ext cx="2082220" cy="0"/>
           </a:xfrm>
           <a:prstGeom prst="straightConnector1">
@@ -4245,8 +4389,8 @@
         </p:nvCxnSpPr>
         <p:spPr>
           <a:xfrm>
-            <a:off x="-815541" y="4536241"/>
-            <a:ext cx="1459254" cy="0"/>
+            <a:off x="-914400" y="7162800"/>
+            <a:ext cx="1558780" cy="0"/>
           </a:xfrm>
           <a:prstGeom prst="straightConnector1">
             <a:avLst/>
@@ -4283,8 +4427,8 @@
         </p:nvSpPr>
         <p:spPr>
           <a:xfrm>
-            <a:off x="4296675" y="3101695"/>
-            <a:ext cx="161322" cy="1307285"/>
+            <a:off x="4297735" y="2861736"/>
+            <a:ext cx="101347" cy="4301064"/>
           </a:xfrm>
           <a:prstGeom prst="rect">
             <a:avLst/>
@@ -4294,7 +4438,9 @@
           </a:solidFill>
           <a:ln>
             <a:solidFill>
-              <a:srgbClr val="0070C0"/>
+              <a:schemeClr val="accent1">
+                <a:lumMod val="75000"/>
+              </a:schemeClr>
             </a:solidFill>
           </a:ln>
           <a:effectLst/>
@@ -4330,8 +4476,8 @@
         </p:nvSpPr>
         <p:spPr>
           <a:xfrm>
-            <a:off x="4520631" y="3007016"/>
-            <a:ext cx="1238262" cy="323165"/>
+            <a:off x="4428123" y="2709245"/>
+            <a:ext cx="1500579" cy="161583"/>
           </a:xfrm>
           <a:prstGeom prst="rect">
             <a:avLst/>
@@ -4363,7 +4509,17 @@
                   </a:schemeClr>
                 </a:solidFill>
               </a:rPr>
-              <a:t>setSelectedRestaurant</a:t>
+              <a:t>getFilteredRestaurantList</a:t>
+            </a:r>
+            <a:r>
+              <a:rPr lang="en-US" sz="1050" dirty="0" smtClean="0">
+                <a:solidFill>
+                  <a:schemeClr val="accent4">
+                    <a:lumMod val="75000"/>
+                  </a:schemeClr>
+                </a:solidFill>
+              </a:rPr>
+              <a:t>()</a:t>
             </a:r>
             <a:endParaRPr lang="en-US" sz="1050" dirty="0" smtClean="0">
               <a:solidFill>
@@ -4372,19 +4528,6 @@
                 </a:schemeClr>
               </a:solidFill>
             </a:endParaRPr>
-          </a:p>
-          <a:p>
-            <a:r>
-              <a:rPr lang="en-US" sz="1050" dirty="0" smtClean="0">
-                <a:solidFill>
-                  <a:schemeClr val="accent4">
-                    <a:lumMod val="75000"/>
-                  </a:schemeClr>
-                </a:solidFill>
-              </a:rPr>
-              <a:t>(Restaurant)</a:t>
-            </a:r>
-            <a:endParaRPr lang="en-US" sz="1050" dirty="0"/>
           </a:p>
         </p:txBody>
       </p:sp>
@@ -4449,7 +4592,7 @@
         </p:nvSpPr>
         <p:spPr>
           <a:xfrm>
-            <a:off x="1494979" y="2276175"/>
+            <a:off x="1590014" y="2157559"/>
             <a:ext cx="220343" cy="215444"/>
           </a:xfrm>
           <a:prstGeom prst="rect">
@@ -4478,6 +4621,7 @@
               <a:rPr lang="en-US" dirty="0"/>
               <a:t>u</a:t>
             </a:r>
+            <a:endParaRPr lang="en-US" dirty="0"/>
           </a:p>
         </p:txBody>
       </p:sp>
@@ -4489,7 +4633,7 @@
         </p:nvSpPr>
         <p:spPr>
           <a:xfrm>
-            <a:off x="5693593" y="2731585"/>
+            <a:off x="5697737" y="1750446"/>
             <a:ext cx="841636" cy="300180"/>
           </a:xfrm>
           <a:prstGeom prst="rect">
@@ -4549,9 +4693,9 @@
           <p:nvPr/>
         </p:nvCxnSpPr>
         <p:spPr>
-          <a:xfrm flipH="1">
-            <a:off x="6114411" y="3034456"/>
-            <a:ext cx="3959" cy="1735710"/>
+          <a:xfrm>
+            <a:off x="6119549" y="2050627"/>
+            <a:ext cx="184" cy="1308944"/>
           </a:xfrm>
           <a:prstGeom prst="line">
             <a:avLst/>
@@ -4587,8 +4731,8 @@
         </p:nvSpPr>
         <p:spPr>
           <a:xfrm>
-            <a:off x="6034107" y="3323867"/>
-            <a:ext cx="168896" cy="775693"/>
+            <a:off x="6033740" y="2910922"/>
+            <a:ext cx="168896" cy="448650"/>
           </a:xfrm>
           <a:prstGeom prst="rect">
             <a:avLst/>
@@ -4636,8 +4780,8 @@
         </p:nvCxnSpPr>
         <p:spPr>
           <a:xfrm>
-            <a:off x="4457997" y="3323866"/>
-            <a:ext cx="1579585" cy="13188"/>
+            <a:off x="4426595" y="2910921"/>
+            <a:ext cx="1595087" cy="13188"/>
           </a:xfrm>
           <a:prstGeom prst="straightConnector1">
             <a:avLst/>
@@ -4672,7 +4816,7 @@
         </p:nvSpPr>
         <p:spPr>
           <a:xfrm>
-            <a:off x="4243067" y="4628593"/>
+            <a:off x="4225212" y="7254718"/>
             <a:ext cx="258404" cy="261610"/>
           </a:xfrm>
           <a:prstGeom prst="rect">
@@ -4761,7 +4905,7 @@
           <p:cNvPr id="66" name="Straight Arrow Connector 65">
             <a:extLst>
               <a:ext uri="{FF2B5EF4-FFF2-40B4-BE49-F238E27FC236}">
-                <a16:creationId xmlns:a16="http://schemas.microsoft.com/office/drawing/2014/main" xmlns="" id="{39916E2E-195A-4DC8-B025-B05FA87E6796}"/>
+                <a16:creationId xmlns="" xmlns:a16="http://schemas.microsoft.com/office/drawing/2014/main" id="{39916E2E-195A-4DC8-B025-B05FA87E6796}"/>
               </a:ext>
             </a:extLst>
           </p:cNvPr>
@@ -4772,7 +4916,7 @@
         </p:nvCxnSpPr>
         <p:spPr>
           <a:xfrm>
-            <a:off x="727385" y="3088292"/>
+            <a:off x="721248" y="2855034"/>
             <a:ext cx="3566317" cy="13405"/>
           </a:xfrm>
           <a:prstGeom prst="straightConnector1">
@@ -4805,7 +4949,7 @@
           <p:cNvPr id="67" name="Straight Arrow Connector 66">
             <a:extLst>
               <a:ext uri="{FF2B5EF4-FFF2-40B4-BE49-F238E27FC236}">
-                <a16:creationId xmlns:a16="http://schemas.microsoft.com/office/drawing/2014/main" xmlns="" id="{D881596E-177C-4FDC-8E60-CAB90B3D5FAB}"/>
+                <a16:creationId xmlns="" xmlns:a16="http://schemas.microsoft.com/office/drawing/2014/main" id="{D881596E-177C-4FDC-8E60-CAB90B3D5FAB}"/>
               </a:ext>
             </a:extLst>
           </p:cNvPr>
@@ -4849,7 +4993,7 @@
           <p:cNvPr id="69" name="Straight Arrow Connector 68">
             <a:extLst>
               <a:ext uri="{FF2B5EF4-FFF2-40B4-BE49-F238E27FC236}">
-                <a16:creationId xmlns:a16="http://schemas.microsoft.com/office/drawing/2014/main" xmlns="" id="{7C9F21BC-13A9-471F-825A-2621FD36355F}"/>
+                <a16:creationId xmlns="" xmlns:a16="http://schemas.microsoft.com/office/drawing/2014/main" id="{7C9F21BC-13A9-471F-825A-2621FD36355F}"/>
               </a:ext>
             </a:extLst>
           </p:cNvPr>
@@ -4860,7 +5004,7 @@
         </p:nvCxnSpPr>
         <p:spPr>
           <a:xfrm flipV="1">
-            <a:off x="727385" y="4406844"/>
+            <a:off x="726332" y="7007567"/>
             <a:ext cx="3566317" cy="2136"/>
           </a:xfrm>
           <a:prstGeom prst="straightConnector1">
@@ -4895,7 +5039,7 @@
           <p:cNvPr id="63" name="Straight Arrow Connector 62">
             <a:extLst>
               <a:ext uri="{FF2B5EF4-FFF2-40B4-BE49-F238E27FC236}">
-                <a16:creationId xmlns:a16="http://schemas.microsoft.com/office/drawing/2014/main" xmlns="" id="{7C9F21BC-13A9-471F-825A-2621FD36355F}"/>
+                <a16:creationId xmlns="" xmlns:a16="http://schemas.microsoft.com/office/drawing/2014/main" id="{7C9F21BC-13A9-471F-825A-2621FD36355F}"/>
               </a:ext>
             </a:extLst>
           </p:cNvPr>
@@ -4907,8 +5051,8 @@
         </p:nvCxnSpPr>
         <p:spPr>
           <a:xfrm>
-            <a:off x="4457997" y="4099560"/>
-            <a:ext cx="1660558" cy="0"/>
+            <a:off x="4406094" y="3359571"/>
+            <a:ext cx="1712094" cy="1"/>
           </a:xfrm>
           <a:prstGeom prst="straightConnector1">
             <a:avLst/>
@@ -4945,8 +5089,8 @@
         </p:nvSpPr>
         <p:spPr>
           <a:xfrm>
-            <a:off x="6874644" y="533399"/>
-            <a:ext cx="3488556" cy="4343401"/>
+            <a:off x="6889811" y="5417913"/>
+            <a:ext cx="3488556" cy="1950757"/>
           </a:xfrm>
           <a:prstGeom prst="roundRect">
             <a:avLst>
@@ -5007,7 +5151,7 @@
         </p:nvSpPr>
         <p:spPr>
           <a:xfrm>
-            <a:off x="6790011" y="2822919"/>
+            <a:off x="6970524" y="5755528"/>
             <a:ext cx="906560" cy="346760"/>
           </a:xfrm>
           <a:prstGeom prst="rect">
@@ -5074,8 +5218,8 @@
         </p:nvSpPr>
         <p:spPr>
           <a:xfrm>
-            <a:off x="7138558" y="3391958"/>
-            <a:ext cx="171851" cy="604986"/>
+            <a:off x="7319071" y="6256475"/>
+            <a:ext cx="171852" cy="353121"/>
           </a:xfrm>
           <a:prstGeom prst="rect">
             <a:avLst/>
@@ -5122,9 +5266,9 @@
           <p:nvPr/>
         </p:nvCxnSpPr>
         <p:spPr>
-          <a:xfrm>
-            <a:off x="7238585" y="3165659"/>
-            <a:ext cx="415" cy="1598728"/>
+          <a:xfrm flipH="1">
+            <a:off x="7391400" y="6098268"/>
+            <a:ext cx="27698" cy="1064532"/>
           </a:xfrm>
           <a:prstGeom prst="line">
             <a:avLst/>
@@ -5152,52 +5296,6 @@
           </a:fontRef>
         </p:style>
       </p:cxnSp>
-      <p:cxnSp>
-        <p:nvCxnSpPr>
-          <p:cNvPr id="70" name="Straight Arrow Connector 69">
-            <a:extLst>
-              <a:ext uri="{FF2B5EF4-FFF2-40B4-BE49-F238E27FC236}">
-                <a16:creationId xmlns:a16="http://schemas.microsoft.com/office/drawing/2014/main" xmlns="" id="{7C9F21BC-13A9-471F-825A-2621FD36355F}"/>
-              </a:ext>
-            </a:extLst>
-          </p:cNvPr>
-          <p:cNvCxnSpPr>
-            <a:cxnSpLocks/>
-          </p:cNvCxnSpPr>
-          <p:nvPr/>
-        </p:nvCxnSpPr>
-        <p:spPr>
-          <a:xfrm>
-            <a:off x="6203003" y="4003547"/>
-            <a:ext cx="967933" cy="0"/>
-          </a:xfrm>
-          <a:prstGeom prst="straightConnector1">
-            <a:avLst/>
-          </a:prstGeom>
-          <a:ln w="19050">
-            <a:solidFill>
-              <a:srgbClr val="00B050"/>
-            </a:solidFill>
-            <a:prstDash val="sysDash"/>
-            <a:headEnd type="arrow" w="med" len="med"/>
-            <a:tailEnd type="none" w="med" len="med"/>
-          </a:ln>
-        </p:spPr>
-        <p:style>
-          <a:lnRef idx="1">
-            <a:schemeClr val="accent1"/>
-          </a:lnRef>
-          <a:fillRef idx="0">
-            <a:schemeClr val="accent1"/>
-          </a:fillRef>
-          <a:effectRef idx="0">
-            <a:schemeClr val="accent1"/>
-          </a:effectRef>
-          <a:fontRef idx="minor">
-            <a:schemeClr val="tx1"/>
-          </a:fontRef>
-        </p:style>
-      </p:cxnSp>
       <p:sp>
         <p:nvSpPr>
           <p:cNvPr id="71" name="Rectangle 62"/>
@@ -5206,7 +5304,7 @@
         </p:nvSpPr>
         <p:spPr>
           <a:xfrm>
-            <a:off x="8389702" y="2872560"/>
+            <a:off x="8570215" y="5805169"/>
             <a:ext cx="1472754" cy="346760"/>
           </a:xfrm>
           <a:prstGeom prst="rect">
@@ -5275,7 +5373,7 @@
         </p:nvCxnSpPr>
         <p:spPr>
           <a:xfrm>
-            <a:off x="7310410" y="3554698"/>
+            <a:off x="7490923" y="6324600"/>
             <a:ext cx="1752986" cy="11401"/>
           </a:xfrm>
           <a:prstGeom prst="straightConnector1">
@@ -5313,8 +5411,8 @@
         </p:nvCxnSpPr>
         <p:spPr>
           <a:xfrm>
-            <a:off x="9108226" y="3228174"/>
-            <a:ext cx="17921" cy="1537539"/>
+            <a:off x="9288739" y="6160783"/>
+            <a:ext cx="7661" cy="1002017"/>
           </a:xfrm>
           <a:prstGeom prst="line">
             <a:avLst/>
@@ -5347,7 +5445,7 @@
           <p:cNvPr id="74" name="Straight Arrow Connector 73">
             <a:extLst>
               <a:ext uri="{FF2B5EF4-FFF2-40B4-BE49-F238E27FC236}">
-                <a16:creationId xmlns:a16="http://schemas.microsoft.com/office/drawing/2014/main" xmlns="" id="{7C9F21BC-13A9-471F-825A-2621FD36355F}"/>
+                <a16:creationId xmlns="" xmlns:a16="http://schemas.microsoft.com/office/drawing/2014/main" id="{7C9F21BC-13A9-471F-825A-2621FD36355F}"/>
               </a:ext>
             </a:extLst>
           </p:cNvPr>
@@ -5358,7 +5456,7 @@
         </p:nvCxnSpPr>
         <p:spPr>
           <a:xfrm>
-            <a:off x="7318284" y="3805000"/>
+            <a:off x="7498797" y="6544056"/>
             <a:ext cx="1752986" cy="9144"/>
           </a:xfrm>
           <a:prstGeom prst="straightConnector1">
@@ -5396,7 +5494,7 @@
         </p:nvSpPr>
         <p:spPr>
           <a:xfrm>
-            <a:off x="7338292" y="3323866"/>
+            <a:off x="7518805" y="6096000"/>
             <a:ext cx="2152446" cy="230832"/>
           </a:xfrm>
           <a:prstGeom prst="rect">
@@ -5452,42 +5550,6 @@
           </a:p>
         </p:txBody>
       </p:sp>
-      <p:cxnSp>
-        <p:nvCxnSpPr>
-          <p:cNvPr id="85" name="Straight Arrow Connector 84"/>
-          <p:cNvCxnSpPr/>
-          <p:nvPr/>
-        </p:nvCxnSpPr>
-        <p:spPr>
-          <a:xfrm flipV="1">
-            <a:off x="6214694" y="3405784"/>
-            <a:ext cx="922392" cy="1"/>
-          </a:xfrm>
-          <a:prstGeom prst="straightConnector1">
-            <a:avLst/>
-          </a:prstGeom>
-          <a:ln w="19050">
-            <a:solidFill>
-              <a:srgbClr val="7030A0"/>
-            </a:solidFill>
-            <a:tailEnd type="arrow"/>
-          </a:ln>
-        </p:spPr>
-        <p:style>
-          <a:lnRef idx="1">
-            <a:schemeClr val="accent1"/>
-          </a:lnRef>
-          <a:fillRef idx="0">
-            <a:schemeClr val="accent1"/>
-          </a:fillRef>
-          <a:effectRef idx="0">
-            <a:schemeClr val="accent1"/>
-          </a:effectRef>
-          <a:fontRef idx="minor">
-            <a:schemeClr val="tx1"/>
-          </a:fontRef>
-        </p:style>
-      </p:cxnSp>
       <p:sp>
         <p:nvSpPr>
           <p:cNvPr id="90" name="Rectangle 89"/>
@@ -5496,8 +5558,8 @@
         </p:nvSpPr>
         <p:spPr>
           <a:xfrm>
-            <a:off x="9050384" y="3554699"/>
-            <a:ext cx="120594" cy="259446"/>
+            <a:off x="9230897" y="6326833"/>
+            <a:ext cx="112719" cy="222311"/>
           </a:xfrm>
           <a:prstGeom prst="rect">
             <a:avLst/>
@@ -5535,6 +5597,1897 @@
           </a:p>
         </p:txBody>
       </p:sp>
+      <p:sp>
+        <p:nvSpPr>
+          <p:cNvPr id="51" name="TextBox 50"/>
+          <p:cNvSpPr txBox="1"/>
+          <p:nvPr/>
+        </p:nvSpPr>
+        <p:spPr>
+          <a:xfrm>
+            <a:off x="4379755" y="3158924"/>
+            <a:ext cx="1607587" cy="138499"/>
+          </a:xfrm>
+          <a:prstGeom prst="rect">
+            <a:avLst/>
+          </a:prstGeom>
+          <a:noFill/>
+        </p:spPr>
+        <p:txBody>
+          <a:bodyPr wrap="square" lIns="0" tIns="0" rIns="0" bIns="0" rtlCol="0">
+            <a:spAutoFit/>
+          </a:bodyPr>
+          <a:lstStyle>
+            <a:defPPr>
+              <a:defRPr lang="en-US"/>
+            </a:defPPr>
+            <a:lvl1pPr algn="r">
+              <a:defRPr sz="1400">
+                <a:solidFill>
+                  <a:srgbClr val="0070C0"/>
+                </a:solidFill>
+              </a:defRPr>
+            </a:lvl1pPr>
+          </a:lstStyle>
+          <a:p>
+            <a:r>
+              <a:rPr lang="en-US" sz="900" dirty="0" err="1" smtClean="0">
+                <a:solidFill>
+                  <a:schemeClr val="accent4">
+                    <a:lumMod val="75000"/>
+                  </a:schemeClr>
+                </a:solidFill>
+              </a:rPr>
+              <a:t>filteredRestaurantList.get</a:t>
+            </a:r>
+            <a:r>
+              <a:rPr lang="en-US" sz="900" dirty="0" smtClean="0">
+                <a:solidFill>
+                  <a:schemeClr val="accent4">
+                    <a:lumMod val="75000"/>
+                  </a:schemeClr>
+                </a:solidFill>
+              </a:rPr>
+              <a:t>(index)</a:t>
+            </a:r>
+            <a:endParaRPr lang="en-US" sz="900" dirty="0" smtClean="0">
+              <a:solidFill>
+                <a:schemeClr val="accent4">
+                  <a:lumMod val="75000"/>
+                </a:schemeClr>
+              </a:solidFill>
+            </a:endParaRPr>
+          </a:p>
+        </p:txBody>
+      </p:sp>
+      <p:sp>
+        <p:nvSpPr>
+          <p:cNvPr id="62" name="Rectangle 61"/>
+          <p:cNvSpPr/>
+          <p:nvPr/>
+        </p:nvSpPr>
+        <p:spPr>
+          <a:xfrm>
+            <a:off x="4344163" y="3629218"/>
+            <a:ext cx="206498" cy="310371"/>
+          </a:xfrm>
+          <a:prstGeom prst="rect">
+            <a:avLst/>
+          </a:prstGeom>
+          <a:solidFill>
+            <a:srgbClr val="0070C0"/>
+          </a:solidFill>
+          <a:ln>
+            <a:solidFill>
+              <a:schemeClr val="accent1">
+                <a:lumMod val="75000"/>
+              </a:schemeClr>
+            </a:solidFill>
+          </a:ln>
+          <a:effectLst/>
+        </p:spPr>
+        <p:style>
+          <a:lnRef idx="1">
+            <a:schemeClr val="accent3"/>
+          </a:lnRef>
+          <a:fillRef idx="2">
+            <a:schemeClr val="accent3"/>
+          </a:fillRef>
+          <a:effectRef idx="1">
+            <a:schemeClr val="accent3"/>
+          </a:effectRef>
+          <a:fontRef idx="minor">
+            <a:schemeClr val="dk1"/>
+          </a:fontRef>
+        </p:style>
+        <p:txBody>
+          <a:bodyPr rtlCol="0" anchor="ctr"/>
+          <a:lstStyle/>
+          <a:p>
+            <a:pPr algn="ctr"/>
+            <a:endParaRPr lang="en-SG" sz="1400"/>
+          </a:p>
+        </p:txBody>
+      </p:sp>
+      <p:cxnSp>
+        <p:nvCxnSpPr>
+          <p:cNvPr id="76" name="Curved Connector 75"/>
+          <p:cNvCxnSpPr/>
+          <p:nvPr/>
+        </p:nvCxnSpPr>
+        <p:spPr>
+          <a:xfrm>
+            <a:off x="4413006" y="3566099"/>
+            <a:ext cx="141558" cy="77495"/>
+          </a:xfrm>
+          <a:prstGeom prst="curvedConnector3">
+            <a:avLst>
+              <a:gd name="adj1" fmla="val 250515"/>
+            </a:avLst>
+          </a:prstGeom>
+          <a:ln>
+            <a:solidFill>
+              <a:srgbClr val="0070C0"/>
+            </a:solidFill>
+            <a:tailEnd type="triangle"/>
+          </a:ln>
+        </p:spPr>
+        <p:style>
+          <a:lnRef idx="1">
+            <a:schemeClr val="accent1"/>
+          </a:lnRef>
+          <a:fillRef idx="0">
+            <a:schemeClr val="accent1"/>
+          </a:fillRef>
+          <a:effectRef idx="0">
+            <a:schemeClr val="accent1"/>
+          </a:effectRef>
+          <a:fontRef idx="minor">
+            <a:schemeClr val="tx1"/>
+          </a:fontRef>
+        </p:style>
+      </p:cxnSp>
+      <p:sp>
+        <p:nvSpPr>
+          <p:cNvPr id="77" name="TextBox 76"/>
+          <p:cNvSpPr txBox="1"/>
+          <p:nvPr/>
+        </p:nvSpPr>
+        <p:spPr>
+          <a:xfrm>
+            <a:off x="4662626" y="3442927"/>
+            <a:ext cx="1324716" cy="153888"/>
+          </a:xfrm>
+          <a:prstGeom prst="rect">
+            <a:avLst/>
+          </a:prstGeom>
+          <a:noFill/>
+        </p:spPr>
+        <p:txBody>
+          <a:bodyPr wrap="square" lIns="0" tIns="0" rIns="0" bIns="0" rtlCol="0">
+            <a:spAutoFit/>
+          </a:bodyPr>
+          <a:lstStyle>
+            <a:defPPr>
+              <a:defRPr lang="en-US"/>
+            </a:defPPr>
+            <a:lvl1pPr algn="r">
+              <a:defRPr sz="1400">
+                <a:solidFill>
+                  <a:srgbClr val="0070C0"/>
+                </a:solidFill>
+              </a:defRPr>
+            </a:lvl1pPr>
+          </a:lstStyle>
+          <a:p>
+            <a:r>
+              <a:rPr lang="en-US" sz="1000" dirty="0" err="1" smtClean="0"/>
+              <a:t>Restaurant.getWeblink</a:t>
+            </a:r>
+            <a:r>
+              <a:rPr lang="en-US" sz="1000" dirty="0" smtClean="0"/>
+              <a:t>()</a:t>
+            </a:r>
+            <a:endParaRPr lang="en-US" sz="1000" dirty="0"/>
+          </a:p>
+        </p:txBody>
+      </p:sp>
+      <p:cxnSp>
+        <p:nvCxnSpPr>
+          <p:cNvPr id="78" name="Curved Connector 77"/>
+          <p:cNvCxnSpPr/>
+          <p:nvPr/>
+        </p:nvCxnSpPr>
+        <p:spPr>
+          <a:xfrm rot="10800000" flipV="1">
+            <a:off x="4398713" y="3933782"/>
+            <a:ext cx="151949" cy="127930"/>
+          </a:xfrm>
+          <a:prstGeom prst="curvedConnector3">
+            <a:avLst>
+              <a:gd name="adj1" fmla="val -145578"/>
+            </a:avLst>
+          </a:prstGeom>
+          <a:ln>
+            <a:solidFill>
+              <a:srgbClr val="0070C0"/>
+            </a:solidFill>
+            <a:tailEnd type="triangle"/>
+          </a:ln>
+        </p:spPr>
+        <p:style>
+          <a:lnRef idx="1">
+            <a:schemeClr val="accent1"/>
+          </a:lnRef>
+          <a:fillRef idx="0">
+            <a:schemeClr val="accent1"/>
+          </a:fillRef>
+          <a:effectRef idx="0">
+            <a:schemeClr val="accent1"/>
+          </a:effectRef>
+          <a:fontRef idx="minor">
+            <a:schemeClr val="tx1"/>
+          </a:fontRef>
+        </p:style>
+      </p:cxnSp>
+      <p:sp>
+        <p:nvSpPr>
+          <p:cNvPr id="91" name="TextBox 90"/>
+          <p:cNvSpPr txBox="1"/>
+          <p:nvPr/>
+        </p:nvSpPr>
+        <p:spPr>
+          <a:xfrm>
+            <a:off x="4669469" y="3779894"/>
+            <a:ext cx="424742" cy="153888"/>
+          </a:xfrm>
+          <a:prstGeom prst="rect">
+            <a:avLst/>
+          </a:prstGeom>
+          <a:noFill/>
+        </p:spPr>
+        <p:txBody>
+          <a:bodyPr wrap="square" lIns="0" tIns="0" rIns="0" bIns="0" rtlCol="0">
+            <a:spAutoFit/>
+          </a:bodyPr>
+          <a:lstStyle>
+            <a:defPPr>
+              <a:defRPr lang="en-US"/>
+            </a:defPPr>
+            <a:lvl1pPr algn="r">
+              <a:defRPr sz="1400">
+                <a:solidFill>
+                  <a:srgbClr val="0070C0"/>
+                </a:solidFill>
+              </a:defRPr>
+            </a:lvl1pPr>
+          </a:lstStyle>
+          <a:p>
+            <a:r>
+              <a:rPr lang="en-US" sz="1000" dirty="0" err="1" smtClean="0"/>
+              <a:t>Weblink</a:t>
+            </a:r>
+            <a:endParaRPr lang="en-US" sz="1000" dirty="0"/>
+          </a:p>
+        </p:txBody>
+      </p:sp>
+      <p:sp>
+        <p:nvSpPr>
+          <p:cNvPr id="92" name="Rectangle 65"/>
+          <p:cNvSpPr/>
+          <p:nvPr/>
+        </p:nvSpPr>
+        <p:spPr>
+          <a:xfrm>
+            <a:off x="5193503" y="3769735"/>
+            <a:ext cx="1644131" cy="2554866"/>
+          </a:xfrm>
+          <a:prstGeom prst="roundRect">
+            <a:avLst>
+              <a:gd name="adj" fmla="val 3484"/>
+            </a:avLst>
+          </a:prstGeom>
+          <a:solidFill>
+            <a:schemeClr val="bg1">
+              <a:lumMod val="85000"/>
+            </a:schemeClr>
+          </a:solidFill>
+          <a:ln w="19050">
+            <a:noFill/>
+          </a:ln>
+          <a:effectLst/>
+        </p:spPr>
+        <p:style>
+          <a:lnRef idx="1">
+            <a:schemeClr val="accent2"/>
+          </a:lnRef>
+          <a:fillRef idx="2">
+            <a:schemeClr val="accent2"/>
+          </a:fillRef>
+          <a:effectRef idx="1">
+            <a:schemeClr val="accent2"/>
+          </a:effectRef>
+          <a:fontRef idx="minor">
+            <a:schemeClr val="dk1"/>
+          </a:fontRef>
+        </p:style>
+        <p:txBody>
+          <a:bodyPr rtlCol="0" anchor="t"/>
+          <a:lstStyle/>
+          <a:p>
+            <a:r>
+              <a:rPr lang="en-US" sz="1200" b="1" dirty="0" smtClean="0">
+                <a:solidFill>
+                  <a:schemeClr val="tx1">
+                    <a:lumMod val="65000"/>
+                    <a:lumOff val="35000"/>
+                  </a:schemeClr>
+                </a:solidFill>
+              </a:rPr>
+              <a:t>Commons</a:t>
+            </a:r>
+            <a:endParaRPr lang="en-SG" sz="1200" b="1" dirty="0">
+              <a:solidFill>
+                <a:schemeClr val="tx1">
+                  <a:lumMod val="65000"/>
+                  <a:lumOff val="35000"/>
+                </a:schemeClr>
+              </a:solidFill>
+            </a:endParaRPr>
+          </a:p>
+        </p:txBody>
+      </p:sp>
+      <p:sp>
+        <p:nvSpPr>
+          <p:cNvPr id="94" name="Rectangle 62"/>
+          <p:cNvSpPr/>
+          <p:nvPr/>
+        </p:nvSpPr>
+        <p:spPr>
+          <a:xfrm>
+            <a:off x="5526501" y="4009494"/>
+            <a:ext cx="1159239" cy="420744"/>
+          </a:xfrm>
+          <a:prstGeom prst="rect">
+            <a:avLst/>
+          </a:prstGeom>
+          <a:solidFill>
+            <a:schemeClr val="tx1">
+              <a:lumMod val="50000"/>
+              <a:lumOff val="50000"/>
+            </a:schemeClr>
+          </a:solidFill>
+          <a:ln w="19050">
+            <a:solidFill>
+              <a:schemeClr val="tx1">
+                <a:lumMod val="65000"/>
+                <a:lumOff val="35000"/>
+              </a:schemeClr>
+            </a:solidFill>
+          </a:ln>
+          <a:effectLst/>
+        </p:spPr>
+        <p:style>
+          <a:lnRef idx="1">
+            <a:schemeClr val="accent2"/>
+          </a:lnRef>
+          <a:fillRef idx="2">
+            <a:schemeClr val="accent2"/>
+          </a:fillRef>
+          <a:effectRef idx="1">
+            <a:schemeClr val="accent2"/>
+          </a:effectRef>
+          <a:fontRef idx="minor">
+            <a:schemeClr val="dk1"/>
+          </a:fontRef>
+        </p:style>
+        <p:txBody>
+          <a:bodyPr rtlCol="0" anchor="ctr"/>
+          <a:lstStyle/>
+          <a:p>
+            <a:pPr algn="ctr"/>
+            <a:r>
+              <a:rPr lang="en-US" sz="1600" dirty="0" smtClean="0">
+                <a:solidFill>
+                  <a:schemeClr val="bg1"/>
+                </a:solidFill>
+              </a:rPr>
+              <a:t>&lt;&lt;Class&gt;&gt;</a:t>
+            </a:r>
+            <a:r>
+              <a:rPr lang="en-US" sz="1600" dirty="0" err="1" smtClean="0">
+                <a:solidFill>
+                  <a:schemeClr val="bg1"/>
+                </a:solidFill>
+              </a:rPr>
+              <a:t>WebUtil</a:t>
+            </a:r>
+            <a:endParaRPr lang="en-SG" sz="1600" dirty="0">
+              <a:solidFill>
+                <a:schemeClr val="bg1"/>
+              </a:solidFill>
+            </a:endParaRPr>
+          </a:p>
+        </p:txBody>
+      </p:sp>
+      <p:cxnSp>
+        <p:nvCxnSpPr>
+          <p:cNvPr id="95" name="Straight Connector 94"/>
+          <p:cNvCxnSpPr>
+            <a:cxnSpLocks/>
+          </p:cNvCxnSpPr>
+          <p:nvPr/>
+        </p:nvCxnSpPr>
+        <p:spPr>
+          <a:xfrm>
+            <a:off x="6108503" y="4354052"/>
+            <a:ext cx="13686" cy="1818148"/>
+          </a:xfrm>
+          <a:prstGeom prst="line">
+            <a:avLst/>
+          </a:prstGeom>
+          <a:ln w="19050">
+            <a:solidFill>
+              <a:schemeClr val="tx1">
+                <a:lumMod val="50000"/>
+                <a:lumOff val="50000"/>
+              </a:schemeClr>
+            </a:solidFill>
+            <a:prstDash val="sysDash"/>
+          </a:ln>
+          <a:effectLst/>
+        </p:spPr>
+        <p:style>
+          <a:lnRef idx="1">
+            <a:schemeClr val="accent1"/>
+          </a:lnRef>
+          <a:fillRef idx="2">
+            <a:schemeClr val="accent1"/>
+          </a:fillRef>
+          <a:effectRef idx="1">
+            <a:schemeClr val="accent1"/>
+          </a:effectRef>
+          <a:fontRef idx="minor">
+            <a:schemeClr val="dk1"/>
+          </a:fontRef>
+        </p:style>
+      </p:cxnSp>
+      <p:sp>
+        <p:nvSpPr>
+          <p:cNvPr id="96" name="Rectangle 95"/>
+          <p:cNvSpPr/>
+          <p:nvPr/>
+        </p:nvSpPr>
+        <p:spPr>
+          <a:xfrm>
+            <a:off x="6032895" y="4515824"/>
+            <a:ext cx="170108" cy="1580176"/>
+          </a:xfrm>
+          <a:prstGeom prst="rect">
+            <a:avLst/>
+          </a:prstGeom>
+          <a:solidFill>
+            <a:schemeClr val="bg1">
+              <a:lumMod val="50000"/>
+            </a:schemeClr>
+          </a:solidFill>
+          <a:ln>
+            <a:solidFill>
+              <a:schemeClr val="tx1">
+                <a:lumMod val="65000"/>
+                <a:lumOff val="35000"/>
+              </a:schemeClr>
+            </a:solidFill>
+          </a:ln>
+          <a:effectLst/>
+        </p:spPr>
+        <p:style>
+          <a:lnRef idx="1">
+            <a:schemeClr val="accent3"/>
+          </a:lnRef>
+          <a:fillRef idx="2">
+            <a:schemeClr val="accent3"/>
+          </a:fillRef>
+          <a:effectRef idx="1">
+            <a:schemeClr val="accent3"/>
+          </a:effectRef>
+          <a:fontRef idx="minor">
+            <a:schemeClr val="dk1"/>
+          </a:fontRef>
+        </p:style>
+        <p:txBody>
+          <a:bodyPr rtlCol="0" anchor="ctr"/>
+          <a:lstStyle/>
+          <a:p>
+            <a:pPr algn="ctr"/>
+            <a:endParaRPr lang="en-SG" sz="1400"/>
+          </a:p>
+        </p:txBody>
+      </p:sp>
+      <p:cxnSp>
+        <p:nvCxnSpPr>
+          <p:cNvPr id="97" name="Straight Arrow Connector 96">
+            <a:extLst>
+              <a:ext uri="{FF2B5EF4-FFF2-40B4-BE49-F238E27FC236}">
+                <a16:creationId xmlns="" xmlns:a16="http://schemas.microsoft.com/office/drawing/2014/main" id="{39916E2E-195A-4DC8-B025-B05FA87E6796}"/>
+              </a:ext>
+            </a:extLst>
+          </p:cNvPr>
+          <p:cNvCxnSpPr>
+            <a:cxnSpLocks/>
+          </p:cNvCxnSpPr>
+          <p:nvPr/>
+        </p:nvCxnSpPr>
+        <p:spPr>
+          <a:xfrm flipV="1">
+            <a:off x="4408882" y="4519872"/>
+            <a:ext cx="1616068" cy="851"/>
+          </a:xfrm>
+          <a:prstGeom prst="straightConnector1">
+            <a:avLst/>
+          </a:prstGeom>
+          <a:ln w="19050">
+            <a:solidFill>
+              <a:schemeClr val="tx1">
+                <a:lumMod val="50000"/>
+                <a:lumOff val="50000"/>
+              </a:schemeClr>
+            </a:solidFill>
+            <a:tailEnd type="arrow"/>
+          </a:ln>
+        </p:spPr>
+        <p:style>
+          <a:lnRef idx="1">
+            <a:schemeClr val="accent1"/>
+          </a:lnRef>
+          <a:fillRef idx="0">
+            <a:schemeClr val="accent1"/>
+          </a:fillRef>
+          <a:effectRef idx="0">
+            <a:schemeClr val="accent1"/>
+          </a:effectRef>
+          <a:fontRef idx="minor">
+            <a:schemeClr val="tx1"/>
+          </a:fontRef>
+        </p:style>
+      </p:cxnSp>
+      <p:sp>
+        <p:nvSpPr>
+          <p:cNvPr id="103" name="TextBox 102"/>
+          <p:cNvSpPr txBox="1"/>
+          <p:nvPr/>
+        </p:nvSpPr>
+        <p:spPr>
+          <a:xfrm>
+            <a:off x="4253946" y="4174978"/>
+            <a:ext cx="1397057" cy="307777"/>
+          </a:xfrm>
+          <a:prstGeom prst="rect">
+            <a:avLst/>
+          </a:prstGeom>
+          <a:noFill/>
+        </p:spPr>
+        <p:txBody>
+          <a:bodyPr wrap="square" lIns="0" tIns="0" rIns="0" bIns="0" rtlCol="0">
+            <a:spAutoFit/>
+          </a:bodyPr>
+          <a:lstStyle>
+            <a:defPPr>
+              <a:defRPr lang="en-US"/>
+            </a:defPPr>
+            <a:lvl1pPr algn="r">
+              <a:defRPr sz="1400">
+                <a:solidFill>
+                  <a:srgbClr val="0070C0"/>
+                </a:solidFill>
+              </a:defRPr>
+            </a:lvl1pPr>
+          </a:lstStyle>
+          <a:p>
+            <a:pPr algn="ctr"/>
+            <a:r>
+              <a:rPr lang="en-US" sz="1000" dirty="0" smtClean="0">
+                <a:solidFill>
+                  <a:schemeClr val="tx1">
+                    <a:lumMod val="65000"/>
+                    <a:lumOff val="35000"/>
+                  </a:schemeClr>
+                </a:solidFill>
+              </a:rPr>
+              <a:t>&lt;&lt;Static&gt;&gt; </a:t>
+            </a:r>
+            <a:r>
+              <a:rPr lang="en-US" sz="1000" dirty="0" err="1" smtClean="0">
+                <a:solidFill>
+                  <a:schemeClr val="tx1">
+                    <a:lumMod val="65000"/>
+                    <a:lumOff val="35000"/>
+                  </a:schemeClr>
+                </a:solidFill>
+              </a:rPr>
+              <a:t>checkUrl</a:t>
+            </a:r>
+            <a:r>
+              <a:rPr lang="en-US" sz="1000" dirty="0" smtClean="0">
+                <a:solidFill>
+                  <a:schemeClr val="tx1">
+                    <a:lumMod val="65000"/>
+                    <a:lumOff val="35000"/>
+                  </a:schemeClr>
+                </a:solidFill>
+              </a:rPr>
+              <a:t>(</a:t>
+            </a:r>
+            <a:r>
+              <a:rPr lang="en-US" sz="1000" dirty="0" err="1" smtClean="0">
+                <a:solidFill>
+                  <a:schemeClr val="tx1">
+                    <a:lumMod val="65000"/>
+                    <a:lumOff val="35000"/>
+                  </a:schemeClr>
+                </a:solidFill>
+              </a:rPr>
+              <a:t>Weblink</a:t>
+            </a:r>
+            <a:r>
+              <a:rPr lang="en-US" sz="1000" dirty="0" smtClean="0">
+                <a:solidFill>
+                  <a:schemeClr val="tx1">
+                    <a:lumMod val="65000"/>
+                    <a:lumOff val="35000"/>
+                  </a:schemeClr>
+                </a:solidFill>
+              </a:rPr>
+              <a:t>)</a:t>
+            </a:r>
+            <a:endParaRPr lang="en-US" sz="1000" dirty="0">
+              <a:solidFill>
+                <a:schemeClr val="tx1">
+                  <a:lumMod val="65000"/>
+                  <a:lumOff val="35000"/>
+                </a:schemeClr>
+              </a:solidFill>
+            </a:endParaRPr>
+          </a:p>
+        </p:txBody>
+      </p:sp>
+      <p:sp>
+        <p:nvSpPr>
+          <p:cNvPr id="105" name="Rectangle 104"/>
+          <p:cNvSpPr/>
+          <p:nvPr/>
+        </p:nvSpPr>
+        <p:spPr>
+          <a:xfrm>
+            <a:off x="3392158" y="4658530"/>
+            <a:ext cx="2961460" cy="1373745"/>
+          </a:xfrm>
+          <a:prstGeom prst="rect">
+            <a:avLst/>
+          </a:prstGeom>
+          <a:noFill/>
+          <a:ln>
+            <a:solidFill>
+              <a:srgbClr val="FF0000"/>
+            </a:solidFill>
+          </a:ln>
+        </p:spPr>
+        <p:style>
+          <a:lnRef idx="2">
+            <a:schemeClr val="accent1">
+              <a:shade val="50000"/>
+            </a:schemeClr>
+          </a:lnRef>
+          <a:fillRef idx="1">
+            <a:schemeClr val="accent1"/>
+          </a:fillRef>
+          <a:effectRef idx="0">
+            <a:schemeClr val="accent1"/>
+          </a:effectRef>
+          <a:fontRef idx="minor">
+            <a:schemeClr val="lt1"/>
+          </a:fontRef>
+        </p:style>
+        <p:txBody>
+          <a:bodyPr rtlCol="0" anchor="ctr"/>
+          <a:lstStyle/>
+          <a:p>
+            <a:pPr algn="ctr"/>
+            <a:endParaRPr lang="en-US"/>
+          </a:p>
+        </p:txBody>
+      </p:sp>
+      <p:sp>
+        <p:nvSpPr>
+          <p:cNvPr id="106" name="Snip Single Corner Rectangle 105"/>
+          <p:cNvSpPr/>
+          <p:nvPr/>
+        </p:nvSpPr>
+        <p:spPr>
+          <a:xfrm flipV="1">
+            <a:off x="3392158" y="4658530"/>
+            <a:ext cx="336789" cy="201780"/>
+          </a:xfrm>
+          <a:prstGeom prst="snip1Rect">
+            <a:avLst/>
+          </a:prstGeom>
+          <a:noFill/>
+          <a:ln>
+            <a:solidFill>
+              <a:srgbClr val="FF0000"/>
+            </a:solidFill>
+          </a:ln>
+        </p:spPr>
+        <p:style>
+          <a:lnRef idx="2">
+            <a:schemeClr val="accent1">
+              <a:shade val="50000"/>
+            </a:schemeClr>
+          </a:lnRef>
+          <a:fillRef idx="1">
+            <a:schemeClr val="accent1"/>
+          </a:fillRef>
+          <a:effectRef idx="0">
+            <a:schemeClr val="accent1"/>
+          </a:effectRef>
+          <a:fontRef idx="minor">
+            <a:schemeClr val="lt1"/>
+          </a:fontRef>
+        </p:style>
+        <p:txBody>
+          <a:bodyPr rtlCol="0" anchor="ctr"/>
+          <a:lstStyle/>
+          <a:p>
+            <a:pPr algn="ctr"/>
+            <a:endParaRPr lang="en-US"/>
+          </a:p>
+        </p:txBody>
+      </p:sp>
+      <p:sp>
+        <p:nvSpPr>
+          <p:cNvPr id="107" name="TextBox 106"/>
+          <p:cNvSpPr txBox="1"/>
+          <p:nvPr/>
+        </p:nvSpPr>
+        <p:spPr>
+          <a:xfrm>
+            <a:off x="3369888" y="4593168"/>
+            <a:ext cx="373820" cy="307777"/>
+          </a:xfrm>
+          <a:prstGeom prst="rect">
+            <a:avLst/>
+          </a:prstGeom>
+          <a:noFill/>
+        </p:spPr>
+        <p:txBody>
+          <a:bodyPr wrap="none" rtlCol="0">
+            <a:spAutoFit/>
+          </a:bodyPr>
+          <a:lstStyle/>
+          <a:p>
+            <a:r>
+              <a:rPr lang="en-US" sz="1400" dirty="0" smtClean="0">
+                <a:solidFill>
+                  <a:srgbClr val="FF0000"/>
+                </a:solidFill>
+              </a:rPr>
+              <a:t>alt</a:t>
+            </a:r>
+            <a:endParaRPr lang="en-US" sz="1400" dirty="0">
+              <a:solidFill>
+                <a:srgbClr val="FF0000"/>
+              </a:solidFill>
+            </a:endParaRPr>
+          </a:p>
+        </p:txBody>
+      </p:sp>
+      <p:cxnSp>
+        <p:nvCxnSpPr>
+          <p:cNvPr id="109" name="Straight Connector 108"/>
+          <p:cNvCxnSpPr/>
+          <p:nvPr/>
+        </p:nvCxnSpPr>
+        <p:spPr>
+          <a:xfrm>
+            <a:off x="3433577" y="5105400"/>
+            <a:ext cx="2932442" cy="0"/>
+          </a:xfrm>
+          <a:prstGeom prst="line">
+            <a:avLst/>
+          </a:prstGeom>
+          <a:ln>
+            <a:solidFill>
+              <a:srgbClr val="FF0000"/>
+            </a:solidFill>
+            <a:prstDash val="dash"/>
+          </a:ln>
+        </p:spPr>
+        <p:style>
+          <a:lnRef idx="1">
+            <a:schemeClr val="dk1"/>
+          </a:lnRef>
+          <a:fillRef idx="0">
+            <a:schemeClr val="dk1"/>
+          </a:fillRef>
+          <a:effectRef idx="0">
+            <a:schemeClr val="dk1"/>
+          </a:effectRef>
+          <a:fontRef idx="minor">
+            <a:schemeClr val="tx1"/>
+          </a:fontRef>
+        </p:style>
+      </p:cxnSp>
+      <p:cxnSp>
+        <p:nvCxnSpPr>
+          <p:cNvPr id="110" name="Straight Connector 109"/>
+          <p:cNvCxnSpPr/>
+          <p:nvPr/>
+        </p:nvCxnSpPr>
+        <p:spPr>
+          <a:xfrm>
+            <a:off x="3392158" y="5562600"/>
+            <a:ext cx="2932442" cy="0"/>
+          </a:xfrm>
+          <a:prstGeom prst="line">
+            <a:avLst/>
+          </a:prstGeom>
+          <a:ln>
+            <a:solidFill>
+              <a:srgbClr val="FF0000"/>
+            </a:solidFill>
+            <a:prstDash val="dash"/>
+          </a:ln>
+        </p:spPr>
+        <p:style>
+          <a:lnRef idx="1">
+            <a:schemeClr val="dk1"/>
+          </a:lnRef>
+          <a:fillRef idx="0">
+            <a:schemeClr val="dk1"/>
+          </a:fillRef>
+          <a:effectRef idx="0">
+            <a:schemeClr val="dk1"/>
+          </a:effectRef>
+          <a:fontRef idx="minor">
+            <a:schemeClr val="tx1"/>
+          </a:fontRef>
+        </p:style>
+      </p:cxnSp>
+      <p:cxnSp>
+        <p:nvCxnSpPr>
+          <p:cNvPr id="111" name="Straight Arrow Connector 110">
+            <a:extLst>
+              <a:ext uri="{FF2B5EF4-FFF2-40B4-BE49-F238E27FC236}">
+                <a16:creationId xmlns="" xmlns:a16="http://schemas.microsoft.com/office/drawing/2014/main" id="{7C9F21BC-13A9-471F-825A-2621FD36355F}"/>
+              </a:ext>
+            </a:extLst>
+          </p:cNvPr>
+          <p:cNvCxnSpPr>
+            <a:cxnSpLocks/>
+          </p:cNvCxnSpPr>
+          <p:nvPr/>
+        </p:nvCxnSpPr>
+        <p:spPr>
+          <a:xfrm flipV="1">
+            <a:off x="4394539" y="5029811"/>
+            <a:ext cx="1627221" cy="11864"/>
+          </a:xfrm>
+          <a:prstGeom prst="straightConnector1">
+            <a:avLst/>
+          </a:prstGeom>
+          <a:ln w="19050">
+            <a:solidFill>
+              <a:schemeClr val="tx1">
+                <a:lumMod val="50000"/>
+                <a:lumOff val="50000"/>
+              </a:schemeClr>
+            </a:solidFill>
+            <a:prstDash val="sysDash"/>
+            <a:headEnd type="arrow" w="med" len="med"/>
+            <a:tailEnd type="none" w="med" len="med"/>
+          </a:ln>
+        </p:spPr>
+        <p:style>
+          <a:lnRef idx="1">
+            <a:schemeClr val="accent1"/>
+          </a:lnRef>
+          <a:fillRef idx="0">
+            <a:schemeClr val="accent1"/>
+          </a:fillRef>
+          <a:effectRef idx="0">
+            <a:schemeClr val="accent1"/>
+          </a:effectRef>
+          <a:fontRef idx="minor">
+            <a:schemeClr val="tx1"/>
+          </a:fontRef>
+        </p:style>
+      </p:cxnSp>
+      <p:sp>
+        <p:nvSpPr>
+          <p:cNvPr id="115" name="TextBox 114"/>
+          <p:cNvSpPr txBox="1"/>
+          <p:nvPr/>
+        </p:nvSpPr>
+        <p:spPr>
+          <a:xfrm>
+            <a:off x="4518865" y="4888281"/>
+            <a:ext cx="1397057" cy="153888"/>
+          </a:xfrm>
+          <a:prstGeom prst="rect">
+            <a:avLst/>
+          </a:prstGeom>
+          <a:noFill/>
+        </p:spPr>
+        <p:txBody>
+          <a:bodyPr wrap="square" lIns="0" tIns="0" rIns="0" bIns="0" rtlCol="0">
+            <a:spAutoFit/>
+          </a:bodyPr>
+          <a:lstStyle>
+            <a:defPPr>
+              <a:defRPr lang="en-US"/>
+            </a:defPPr>
+            <a:lvl1pPr algn="r">
+              <a:defRPr sz="1400">
+                <a:solidFill>
+                  <a:srgbClr val="0070C0"/>
+                </a:solidFill>
+              </a:defRPr>
+            </a:lvl1pPr>
+          </a:lstStyle>
+          <a:p>
+            <a:pPr algn="ctr"/>
+            <a:r>
+              <a:rPr lang="en-US" sz="1000" dirty="0" err="1" smtClean="0">
+                <a:solidFill>
+                  <a:schemeClr val="tx1">
+                    <a:lumMod val="65000"/>
+                    <a:lumOff val="35000"/>
+                  </a:schemeClr>
+                </a:solidFill>
+              </a:rPr>
+              <a:t>NoInternetException</a:t>
+            </a:r>
+            <a:endParaRPr lang="en-US" sz="1000" dirty="0">
+              <a:solidFill>
+                <a:schemeClr val="tx1">
+                  <a:lumMod val="65000"/>
+                  <a:lumOff val="35000"/>
+                </a:schemeClr>
+              </a:solidFill>
+            </a:endParaRPr>
+          </a:p>
+        </p:txBody>
+      </p:sp>
+      <p:sp>
+        <p:nvSpPr>
+          <p:cNvPr id="116" name="TextBox 115"/>
+          <p:cNvSpPr txBox="1"/>
+          <p:nvPr/>
+        </p:nvSpPr>
+        <p:spPr>
+          <a:xfrm>
+            <a:off x="4486598" y="4716084"/>
+            <a:ext cx="1397057" cy="161583"/>
+          </a:xfrm>
+          <a:prstGeom prst="rect">
+            <a:avLst/>
+          </a:prstGeom>
+          <a:noFill/>
+        </p:spPr>
+        <p:txBody>
+          <a:bodyPr wrap="square" lIns="0" tIns="0" rIns="0" bIns="0" rtlCol="0">
+            <a:spAutoFit/>
+          </a:bodyPr>
+          <a:lstStyle>
+            <a:defPPr>
+              <a:defRPr lang="en-US"/>
+            </a:defPPr>
+            <a:lvl1pPr algn="r">
+              <a:defRPr sz="1400">
+                <a:solidFill>
+                  <a:srgbClr val="0070C0"/>
+                </a:solidFill>
+              </a:defRPr>
+            </a:lvl1pPr>
+          </a:lstStyle>
+          <a:p>
+            <a:pPr algn="ctr"/>
+            <a:r>
+              <a:rPr lang="en-US" sz="1050" dirty="0" smtClean="0">
+                <a:solidFill>
+                  <a:srgbClr val="FF0000"/>
+                </a:solidFill>
+              </a:rPr>
+              <a:t>[No Internet]</a:t>
+            </a:r>
+            <a:endParaRPr lang="en-US" sz="1050" dirty="0">
+              <a:solidFill>
+                <a:srgbClr val="FF0000"/>
+              </a:solidFill>
+            </a:endParaRPr>
+          </a:p>
+        </p:txBody>
+      </p:sp>
+      <p:cxnSp>
+        <p:nvCxnSpPr>
+          <p:cNvPr id="117" name="Straight Arrow Connector 116">
+            <a:extLst>
+              <a:ext uri="{FF2B5EF4-FFF2-40B4-BE49-F238E27FC236}">
+                <a16:creationId xmlns="" xmlns:a16="http://schemas.microsoft.com/office/drawing/2014/main" id="{7C9F21BC-13A9-471F-825A-2621FD36355F}"/>
+              </a:ext>
+            </a:extLst>
+          </p:cNvPr>
+          <p:cNvCxnSpPr>
+            <a:cxnSpLocks/>
+          </p:cNvCxnSpPr>
+          <p:nvPr/>
+        </p:nvCxnSpPr>
+        <p:spPr>
+          <a:xfrm flipV="1">
+            <a:off x="4402378" y="5494213"/>
+            <a:ext cx="1627221" cy="11864"/>
+          </a:xfrm>
+          <a:prstGeom prst="straightConnector1">
+            <a:avLst/>
+          </a:prstGeom>
+          <a:ln w="19050">
+            <a:solidFill>
+              <a:schemeClr val="tx1">
+                <a:lumMod val="50000"/>
+                <a:lumOff val="50000"/>
+              </a:schemeClr>
+            </a:solidFill>
+            <a:prstDash val="sysDash"/>
+            <a:headEnd type="arrow" w="med" len="med"/>
+            <a:tailEnd type="none" w="med" len="med"/>
+          </a:ln>
+        </p:spPr>
+        <p:style>
+          <a:lnRef idx="1">
+            <a:schemeClr val="accent1"/>
+          </a:lnRef>
+          <a:fillRef idx="0">
+            <a:schemeClr val="accent1"/>
+          </a:fillRef>
+          <a:effectRef idx="0">
+            <a:schemeClr val="accent1"/>
+          </a:effectRef>
+          <a:fontRef idx="minor">
+            <a:schemeClr val="tx1"/>
+          </a:fontRef>
+        </p:style>
+      </p:cxnSp>
+      <p:sp>
+        <p:nvSpPr>
+          <p:cNvPr id="118" name="TextBox 117"/>
+          <p:cNvSpPr txBox="1"/>
+          <p:nvPr/>
+        </p:nvSpPr>
+        <p:spPr>
+          <a:xfrm>
+            <a:off x="4526704" y="5352683"/>
+            <a:ext cx="1397057" cy="153888"/>
+          </a:xfrm>
+          <a:prstGeom prst="rect">
+            <a:avLst/>
+          </a:prstGeom>
+          <a:noFill/>
+        </p:spPr>
+        <p:txBody>
+          <a:bodyPr wrap="square" lIns="0" tIns="0" rIns="0" bIns="0" rtlCol="0">
+            <a:spAutoFit/>
+          </a:bodyPr>
+          <a:lstStyle>
+            <a:defPPr>
+              <a:defRPr lang="en-US"/>
+            </a:defPPr>
+            <a:lvl1pPr algn="r">
+              <a:defRPr sz="1400">
+                <a:solidFill>
+                  <a:srgbClr val="0070C0"/>
+                </a:solidFill>
+              </a:defRPr>
+            </a:lvl1pPr>
+          </a:lstStyle>
+          <a:p>
+            <a:pPr algn="ctr"/>
+            <a:r>
+              <a:rPr lang="en-US" sz="1000" dirty="0" smtClean="0">
+                <a:solidFill>
+                  <a:schemeClr val="tx1">
+                    <a:lumMod val="65000"/>
+                    <a:lumOff val="35000"/>
+                  </a:schemeClr>
+                </a:solidFill>
+              </a:rPr>
+              <a:t>False</a:t>
+            </a:r>
+            <a:endParaRPr lang="en-US" sz="1000" dirty="0">
+              <a:solidFill>
+                <a:schemeClr val="tx1">
+                  <a:lumMod val="65000"/>
+                  <a:lumOff val="35000"/>
+                </a:schemeClr>
+              </a:solidFill>
+            </a:endParaRPr>
+          </a:p>
+        </p:txBody>
+      </p:sp>
+      <p:sp>
+        <p:nvSpPr>
+          <p:cNvPr id="119" name="TextBox 118"/>
+          <p:cNvSpPr txBox="1"/>
+          <p:nvPr/>
+        </p:nvSpPr>
+        <p:spPr>
+          <a:xfrm>
+            <a:off x="4494437" y="5180486"/>
+            <a:ext cx="1397057" cy="161583"/>
+          </a:xfrm>
+          <a:prstGeom prst="rect">
+            <a:avLst/>
+          </a:prstGeom>
+          <a:noFill/>
+        </p:spPr>
+        <p:txBody>
+          <a:bodyPr wrap="square" lIns="0" tIns="0" rIns="0" bIns="0" rtlCol="0">
+            <a:spAutoFit/>
+          </a:bodyPr>
+          <a:lstStyle>
+            <a:defPPr>
+              <a:defRPr lang="en-US"/>
+            </a:defPPr>
+            <a:lvl1pPr algn="r">
+              <a:defRPr sz="1400">
+                <a:solidFill>
+                  <a:srgbClr val="0070C0"/>
+                </a:solidFill>
+              </a:defRPr>
+            </a:lvl1pPr>
+          </a:lstStyle>
+          <a:p>
+            <a:pPr algn="ctr"/>
+            <a:r>
+              <a:rPr lang="en-US" sz="1050" dirty="0" smtClean="0">
+                <a:solidFill>
+                  <a:srgbClr val="FF0000"/>
+                </a:solidFill>
+              </a:rPr>
+              <a:t>[Invalid </a:t>
+            </a:r>
+            <a:r>
+              <a:rPr lang="en-US" sz="1050" dirty="0" err="1" smtClean="0">
+                <a:solidFill>
+                  <a:srgbClr val="FF0000"/>
+                </a:solidFill>
+              </a:rPr>
+              <a:t>Weblink</a:t>
+            </a:r>
+            <a:r>
+              <a:rPr lang="en-US" sz="1050" dirty="0" smtClean="0">
+                <a:solidFill>
+                  <a:srgbClr val="FF0000"/>
+                </a:solidFill>
+              </a:rPr>
+              <a:t>]</a:t>
+            </a:r>
+            <a:endParaRPr lang="en-US" sz="1050" dirty="0">
+              <a:solidFill>
+                <a:srgbClr val="FF0000"/>
+              </a:solidFill>
+            </a:endParaRPr>
+          </a:p>
+        </p:txBody>
+      </p:sp>
+      <p:cxnSp>
+        <p:nvCxnSpPr>
+          <p:cNvPr id="120" name="Straight Arrow Connector 119">
+            <a:extLst>
+              <a:ext uri="{FF2B5EF4-FFF2-40B4-BE49-F238E27FC236}">
+                <a16:creationId xmlns="" xmlns:a16="http://schemas.microsoft.com/office/drawing/2014/main" id="{7C9F21BC-13A9-471F-825A-2621FD36355F}"/>
+              </a:ext>
+            </a:extLst>
+          </p:cNvPr>
+          <p:cNvCxnSpPr>
+            <a:cxnSpLocks/>
+          </p:cNvCxnSpPr>
+          <p:nvPr/>
+        </p:nvCxnSpPr>
+        <p:spPr>
+          <a:xfrm flipV="1">
+            <a:off x="4406407" y="5946699"/>
+            <a:ext cx="1627221" cy="11864"/>
+          </a:xfrm>
+          <a:prstGeom prst="straightConnector1">
+            <a:avLst/>
+          </a:prstGeom>
+          <a:ln w="19050">
+            <a:solidFill>
+              <a:schemeClr val="tx1">
+                <a:lumMod val="50000"/>
+                <a:lumOff val="50000"/>
+              </a:schemeClr>
+            </a:solidFill>
+            <a:prstDash val="sysDash"/>
+            <a:headEnd type="arrow" w="med" len="med"/>
+            <a:tailEnd type="none" w="med" len="med"/>
+          </a:ln>
+        </p:spPr>
+        <p:style>
+          <a:lnRef idx="1">
+            <a:schemeClr val="accent1"/>
+          </a:lnRef>
+          <a:fillRef idx="0">
+            <a:schemeClr val="accent1"/>
+          </a:fillRef>
+          <a:effectRef idx="0">
+            <a:schemeClr val="accent1"/>
+          </a:effectRef>
+          <a:fontRef idx="minor">
+            <a:schemeClr val="tx1"/>
+          </a:fontRef>
+        </p:style>
+      </p:cxnSp>
+      <p:sp>
+        <p:nvSpPr>
+          <p:cNvPr id="121" name="TextBox 120"/>
+          <p:cNvSpPr txBox="1"/>
+          <p:nvPr/>
+        </p:nvSpPr>
+        <p:spPr>
+          <a:xfrm>
+            <a:off x="4530733" y="5805169"/>
+            <a:ext cx="1397057" cy="153888"/>
+          </a:xfrm>
+          <a:prstGeom prst="rect">
+            <a:avLst/>
+          </a:prstGeom>
+          <a:noFill/>
+        </p:spPr>
+        <p:txBody>
+          <a:bodyPr wrap="square" lIns="0" tIns="0" rIns="0" bIns="0" rtlCol="0">
+            <a:spAutoFit/>
+          </a:bodyPr>
+          <a:lstStyle>
+            <a:defPPr>
+              <a:defRPr lang="en-US"/>
+            </a:defPPr>
+            <a:lvl1pPr algn="r">
+              <a:defRPr sz="1400">
+                <a:solidFill>
+                  <a:srgbClr val="0070C0"/>
+                </a:solidFill>
+              </a:defRPr>
+            </a:lvl1pPr>
+          </a:lstStyle>
+          <a:p>
+            <a:pPr algn="ctr"/>
+            <a:r>
+              <a:rPr lang="en-US" sz="1000" dirty="0" smtClean="0">
+                <a:solidFill>
+                  <a:schemeClr val="tx1">
+                    <a:lumMod val="65000"/>
+                    <a:lumOff val="35000"/>
+                  </a:schemeClr>
+                </a:solidFill>
+              </a:rPr>
+              <a:t>True</a:t>
+            </a:r>
+            <a:endParaRPr lang="en-US" sz="1000" dirty="0">
+              <a:solidFill>
+                <a:schemeClr val="tx1">
+                  <a:lumMod val="65000"/>
+                  <a:lumOff val="35000"/>
+                </a:schemeClr>
+              </a:solidFill>
+            </a:endParaRPr>
+          </a:p>
+        </p:txBody>
+      </p:sp>
+      <p:sp>
+        <p:nvSpPr>
+          <p:cNvPr id="122" name="TextBox 121"/>
+          <p:cNvSpPr txBox="1"/>
+          <p:nvPr/>
+        </p:nvSpPr>
+        <p:spPr>
+          <a:xfrm>
+            <a:off x="4498466" y="5632972"/>
+            <a:ext cx="1397057" cy="161583"/>
+          </a:xfrm>
+          <a:prstGeom prst="rect">
+            <a:avLst/>
+          </a:prstGeom>
+          <a:noFill/>
+        </p:spPr>
+        <p:txBody>
+          <a:bodyPr wrap="square" lIns="0" tIns="0" rIns="0" bIns="0" rtlCol="0">
+            <a:spAutoFit/>
+          </a:bodyPr>
+          <a:lstStyle>
+            <a:defPPr>
+              <a:defRPr lang="en-US"/>
+            </a:defPPr>
+            <a:lvl1pPr algn="r">
+              <a:defRPr sz="1400">
+                <a:solidFill>
+                  <a:srgbClr val="0070C0"/>
+                </a:solidFill>
+              </a:defRPr>
+            </a:lvl1pPr>
+          </a:lstStyle>
+          <a:p>
+            <a:pPr algn="ctr"/>
+            <a:r>
+              <a:rPr lang="en-US" sz="1050" dirty="0" smtClean="0">
+                <a:solidFill>
+                  <a:srgbClr val="FF0000"/>
+                </a:solidFill>
+              </a:rPr>
+              <a:t>[Else]</a:t>
+            </a:r>
+            <a:endParaRPr lang="en-US" sz="1050" dirty="0">
+              <a:solidFill>
+                <a:srgbClr val="FF0000"/>
+              </a:solidFill>
+            </a:endParaRPr>
+          </a:p>
+        </p:txBody>
+      </p:sp>
+      <p:sp>
+        <p:nvSpPr>
+          <p:cNvPr id="134" name="Rectangle 133"/>
+          <p:cNvSpPr/>
+          <p:nvPr/>
+        </p:nvSpPr>
+        <p:spPr>
+          <a:xfrm>
+            <a:off x="-284852" y="6096000"/>
+            <a:ext cx="6970592" cy="985034"/>
+          </a:xfrm>
+          <a:prstGeom prst="rect">
+            <a:avLst/>
+          </a:prstGeom>
+          <a:noFill/>
+          <a:ln>
+            <a:solidFill>
+              <a:srgbClr val="FF0000"/>
+            </a:solidFill>
+          </a:ln>
+        </p:spPr>
+        <p:style>
+          <a:lnRef idx="2">
+            <a:schemeClr val="accent1">
+              <a:shade val="50000"/>
+            </a:schemeClr>
+          </a:lnRef>
+          <a:fillRef idx="1">
+            <a:schemeClr val="accent1"/>
+          </a:fillRef>
+          <a:effectRef idx="0">
+            <a:schemeClr val="accent1"/>
+          </a:effectRef>
+          <a:fontRef idx="minor">
+            <a:schemeClr val="lt1"/>
+          </a:fontRef>
+        </p:style>
+        <p:txBody>
+          <a:bodyPr rtlCol="0" anchor="ctr"/>
+          <a:lstStyle/>
+          <a:p>
+            <a:pPr algn="ctr"/>
+            <a:endParaRPr lang="en-US"/>
+          </a:p>
+        </p:txBody>
+      </p:sp>
+      <p:cxnSp>
+        <p:nvCxnSpPr>
+          <p:cNvPr id="135" name="Straight Connector 134"/>
+          <p:cNvCxnSpPr/>
+          <p:nvPr/>
+        </p:nvCxnSpPr>
+        <p:spPr>
+          <a:xfrm flipV="1">
+            <a:off x="-284852" y="6684521"/>
+            <a:ext cx="6970592" cy="21079"/>
+          </a:xfrm>
+          <a:prstGeom prst="line">
+            <a:avLst/>
+          </a:prstGeom>
+          <a:ln>
+            <a:solidFill>
+              <a:srgbClr val="FF0000"/>
+            </a:solidFill>
+            <a:prstDash val="dash"/>
+          </a:ln>
+        </p:spPr>
+        <p:style>
+          <a:lnRef idx="1">
+            <a:schemeClr val="dk1"/>
+          </a:lnRef>
+          <a:fillRef idx="0">
+            <a:schemeClr val="dk1"/>
+          </a:fillRef>
+          <a:effectRef idx="0">
+            <a:schemeClr val="dk1"/>
+          </a:effectRef>
+          <a:fontRef idx="minor">
+            <a:schemeClr val="tx1"/>
+          </a:fontRef>
+        </p:style>
+      </p:cxnSp>
+      <p:sp>
+        <p:nvSpPr>
+          <p:cNvPr id="138" name="TextBox 137"/>
+          <p:cNvSpPr txBox="1"/>
+          <p:nvPr/>
+        </p:nvSpPr>
+        <p:spPr>
+          <a:xfrm>
+            <a:off x="-334843" y="6053622"/>
+            <a:ext cx="373820" cy="307777"/>
+          </a:xfrm>
+          <a:prstGeom prst="rect">
+            <a:avLst/>
+          </a:prstGeom>
+          <a:noFill/>
+        </p:spPr>
+        <p:txBody>
+          <a:bodyPr wrap="none" rtlCol="0">
+            <a:spAutoFit/>
+          </a:bodyPr>
+          <a:lstStyle/>
+          <a:p>
+            <a:r>
+              <a:rPr lang="en-US" sz="1400" dirty="0" smtClean="0">
+                <a:solidFill>
+                  <a:srgbClr val="FF0000"/>
+                </a:solidFill>
+              </a:rPr>
+              <a:t>alt</a:t>
+            </a:r>
+            <a:endParaRPr lang="en-US" sz="1400" dirty="0">
+              <a:solidFill>
+                <a:srgbClr val="FF0000"/>
+              </a:solidFill>
+            </a:endParaRPr>
+          </a:p>
+        </p:txBody>
+      </p:sp>
+      <p:sp>
+        <p:nvSpPr>
+          <p:cNvPr id="140" name="Snip Single Corner Rectangle 139"/>
+          <p:cNvSpPr/>
+          <p:nvPr/>
+        </p:nvSpPr>
+        <p:spPr>
+          <a:xfrm flipV="1">
+            <a:off x="-287642" y="6096000"/>
+            <a:ext cx="336789" cy="201780"/>
+          </a:xfrm>
+          <a:prstGeom prst="snip1Rect">
+            <a:avLst/>
+          </a:prstGeom>
+          <a:noFill/>
+          <a:ln>
+            <a:solidFill>
+              <a:srgbClr val="FF0000"/>
+            </a:solidFill>
+          </a:ln>
+        </p:spPr>
+        <p:style>
+          <a:lnRef idx="2">
+            <a:schemeClr val="accent1">
+              <a:shade val="50000"/>
+            </a:schemeClr>
+          </a:lnRef>
+          <a:fillRef idx="1">
+            <a:schemeClr val="accent1"/>
+          </a:fillRef>
+          <a:effectRef idx="0">
+            <a:schemeClr val="accent1"/>
+          </a:effectRef>
+          <a:fontRef idx="minor">
+            <a:schemeClr val="lt1"/>
+          </a:fontRef>
+        </p:style>
+        <p:txBody>
+          <a:bodyPr rtlCol="0" anchor="ctr"/>
+          <a:lstStyle/>
+          <a:p>
+            <a:pPr algn="ctr"/>
+            <a:endParaRPr lang="en-US"/>
+          </a:p>
+        </p:txBody>
+      </p:sp>
+      <p:sp>
+        <p:nvSpPr>
+          <p:cNvPr id="142" name="TextBox 141"/>
+          <p:cNvSpPr txBox="1"/>
+          <p:nvPr/>
+        </p:nvSpPr>
+        <p:spPr>
+          <a:xfrm>
+            <a:off x="1744650" y="6126718"/>
+            <a:ext cx="1397057" cy="161583"/>
+          </a:xfrm>
+          <a:prstGeom prst="rect">
+            <a:avLst/>
+          </a:prstGeom>
+          <a:noFill/>
+        </p:spPr>
+        <p:txBody>
+          <a:bodyPr wrap="square" lIns="0" tIns="0" rIns="0" bIns="0" rtlCol="0">
+            <a:spAutoFit/>
+          </a:bodyPr>
+          <a:lstStyle>
+            <a:defPPr>
+              <a:defRPr lang="en-US"/>
+            </a:defPPr>
+            <a:lvl1pPr algn="r">
+              <a:defRPr sz="1400">
+                <a:solidFill>
+                  <a:srgbClr val="0070C0"/>
+                </a:solidFill>
+              </a:defRPr>
+            </a:lvl1pPr>
+          </a:lstStyle>
+          <a:p>
+            <a:pPr algn="ctr"/>
+            <a:r>
+              <a:rPr lang="en-US" sz="1050" dirty="0" smtClean="0">
+                <a:solidFill>
+                  <a:srgbClr val="FF0000"/>
+                </a:solidFill>
+              </a:rPr>
+              <a:t>[</a:t>
+            </a:r>
+            <a:r>
+              <a:rPr lang="en-US" sz="1050" dirty="0" err="1" smtClean="0">
+                <a:solidFill>
+                  <a:srgbClr val="FF0000"/>
+                </a:solidFill>
+              </a:rPr>
+              <a:t>checkUrl</a:t>
+            </a:r>
+            <a:r>
+              <a:rPr lang="en-US" sz="1050" dirty="0" smtClean="0">
+                <a:solidFill>
+                  <a:srgbClr val="FF0000"/>
+                </a:solidFill>
+              </a:rPr>
+              <a:t> returns true]</a:t>
+            </a:r>
+            <a:endParaRPr lang="en-US" sz="1050" dirty="0">
+              <a:solidFill>
+                <a:srgbClr val="FF0000"/>
+              </a:solidFill>
+            </a:endParaRPr>
+          </a:p>
+        </p:txBody>
+      </p:sp>
+      <p:sp>
+        <p:nvSpPr>
+          <p:cNvPr id="143" name="TextBox 142"/>
+          <p:cNvSpPr txBox="1"/>
+          <p:nvPr/>
+        </p:nvSpPr>
+        <p:spPr>
+          <a:xfrm>
+            <a:off x="753591" y="6697095"/>
+            <a:ext cx="3505223" cy="161583"/>
+          </a:xfrm>
+          <a:prstGeom prst="rect">
+            <a:avLst/>
+          </a:prstGeom>
+          <a:noFill/>
+        </p:spPr>
+        <p:txBody>
+          <a:bodyPr wrap="square" lIns="0" tIns="0" rIns="0" bIns="0" rtlCol="0">
+            <a:spAutoFit/>
+          </a:bodyPr>
+          <a:lstStyle>
+            <a:defPPr>
+              <a:defRPr lang="en-US"/>
+            </a:defPPr>
+            <a:lvl1pPr algn="r">
+              <a:defRPr sz="1400">
+                <a:solidFill>
+                  <a:srgbClr val="0070C0"/>
+                </a:solidFill>
+              </a:defRPr>
+            </a:lvl1pPr>
+          </a:lstStyle>
+          <a:p>
+            <a:pPr algn="ctr"/>
+            <a:r>
+              <a:rPr lang="en-US" sz="1050" dirty="0" smtClean="0">
+                <a:solidFill>
+                  <a:srgbClr val="FF0000"/>
+                </a:solidFill>
+              </a:rPr>
+              <a:t>[if </a:t>
+            </a:r>
+            <a:r>
+              <a:rPr lang="en-US" sz="1050" dirty="0" err="1" smtClean="0">
+                <a:solidFill>
+                  <a:srgbClr val="FF0000"/>
+                </a:solidFill>
+              </a:rPr>
+              <a:t>checkUrl</a:t>
+            </a:r>
+            <a:r>
+              <a:rPr lang="en-US" sz="1050" dirty="0" smtClean="0">
+                <a:solidFill>
+                  <a:srgbClr val="FF0000"/>
+                </a:solidFill>
+              </a:rPr>
+              <a:t> returns false or </a:t>
+            </a:r>
+            <a:r>
+              <a:rPr lang="en-US" sz="1050" dirty="0" err="1" smtClean="0">
+                <a:solidFill>
+                  <a:srgbClr val="FF0000"/>
+                </a:solidFill>
+              </a:rPr>
+              <a:t>NoInternetException</a:t>
+            </a:r>
+            <a:r>
+              <a:rPr lang="en-US" sz="1050" dirty="0" smtClean="0">
+                <a:solidFill>
+                  <a:srgbClr val="FF0000"/>
+                </a:solidFill>
+              </a:rPr>
+              <a:t>]</a:t>
+            </a:r>
+            <a:endParaRPr lang="en-US" sz="1050" dirty="0">
+              <a:solidFill>
+                <a:srgbClr val="FF0000"/>
+              </a:solidFill>
+            </a:endParaRPr>
+          </a:p>
+        </p:txBody>
+      </p:sp>
+      <p:sp>
+        <p:nvSpPr>
+          <p:cNvPr id="144" name="TextBox 143"/>
+          <p:cNvSpPr txBox="1"/>
+          <p:nvPr/>
+        </p:nvSpPr>
+        <p:spPr>
+          <a:xfrm>
+            <a:off x="973214" y="6837872"/>
+            <a:ext cx="2201404" cy="161583"/>
+          </a:xfrm>
+          <a:prstGeom prst="rect">
+            <a:avLst/>
+          </a:prstGeom>
+          <a:noFill/>
+        </p:spPr>
+        <p:txBody>
+          <a:bodyPr wrap="square" lIns="0" tIns="0" rIns="0" bIns="0" rtlCol="0">
+            <a:spAutoFit/>
+          </a:bodyPr>
+          <a:lstStyle>
+            <a:defPPr>
+              <a:defRPr lang="en-US"/>
+            </a:defPPr>
+            <a:lvl1pPr algn="r">
+              <a:defRPr sz="1400">
+                <a:solidFill>
+                  <a:srgbClr val="0070C0"/>
+                </a:solidFill>
+              </a:defRPr>
+            </a:lvl1pPr>
+          </a:lstStyle>
+          <a:p>
+            <a:r>
+              <a:rPr lang="en-US" sz="1050" dirty="0" smtClean="0"/>
+              <a:t>Returns </a:t>
+            </a:r>
+            <a:r>
+              <a:rPr lang="en-US" sz="1050" dirty="0" err="1" smtClean="0"/>
+              <a:t>commandExce</a:t>
+            </a:r>
+            <a:r>
+              <a:rPr lang="en-US" sz="1050" dirty="0" err="1"/>
+              <a:t>p</a:t>
+            </a:r>
+            <a:r>
+              <a:rPr lang="en-US" sz="1050" dirty="0" err="1" smtClean="0"/>
+              <a:t>tion</a:t>
+            </a:r>
+            <a:endParaRPr lang="en-US" sz="1050" dirty="0"/>
+          </a:p>
+        </p:txBody>
+      </p:sp>
+      <p:cxnSp>
+        <p:nvCxnSpPr>
+          <p:cNvPr id="145" name="Straight Arrow Connector 144">
+            <a:extLst>
+              <a:ext uri="{FF2B5EF4-FFF2-40B4-BE49-F238E27FC236}">
+                <a16:creationId xmlns="" xmlns:a16="http://schemas.microsoft.com/office/drawing/2014/main" id="{7C9F21BC-13A9-471F-825A-2621FD36355F}"/>
+              </a:ext>
+            </a:extLst>
+          </p:cNvPr>
+          <p:cNvCxnSpPr>
+            <a:cxnSpLocks/>
+          </p:cNvCxnSpPr>
+          <p:nvPr/>
+        </p:nvCxnSpPr>
+        <p:spPr>
+          <a:xfrm flipV="1">
+            <a:off x="712030" y="6638314"/>
+            <a:ext cx="3566317" cy="2136"/>
+          </a:xfrm>
+          <a:prstGeom prst="straightConnector1">
+            <a:avLst/>
+          </a:prstGeom>
+          <a:ln w="19050">
+            <a:solidFill>
+              <a:srgbClr val="0070C0"/>
+            </a:solidFill>
+            <a:prstDash val="sysDash"/>
+            <a:headEnd type="arrow" w="med" len="med"/>
+            <a:tailEnd type="none" w="med" len="med"/>
+          </a:ln>
+        </p:spPr>
+        <p:style>
+          <a:lnRef idx="1">
+            <a:schemeClr val="accent1"/>
+          </a:lnRef>
+          <a:fillRef idx="0">
+            <a:schemeClr val="accent1"/>
+          </a:fillRef>
+          <a:effectRef idx="0">
+            <a:schemeClr val="accent1"/>
+          </a:effectRef>
+          <a:fontRef idx="minor">
+            <a:schemeClr val="tx1"/>
+          </a:fontRef>
+        </p:style>
+      </p:cxnSp>
+      <p:cxnSp>
+        <p:nvCxnSpPr>
+          <p:cNvPr id="146" name="Straight Arrow Connector 145"/>
+          <p:cNvCxnSpPr>
+            <a:cxnSpLocks/>
+          </p:cNvCxnSpPr>
+          <p:nvPr/>
+        </p:nvCxnSpPr>
+        <p:spPr>
+          <a:xfrm flipV="1">
+            <a:off x="4387582" y="6278365"/>
+            <a:ext cx="2931488" cy="2497"/>
+          </a:xfrm>
+          <a:prstGeom prst="straightConnector1">
+            <a:avLst/>
+          </a:prstGeom>
+          <a:ln w="19050">
+            <a:solidFill>
+              <a:srgbClr val="0070C0"/>
+            </a:solidFill>
+            <a:tailEnd type="arrow"/>
+          </a:ln>
+        </p:spPr>
+        <p:style>
+          <a:lnRef idx="1">
+            <a:schemeClr val="accent1"/>
+          </a:lnRef>
+          <a:fillRef idx="0">
+            <a:schemeClr val="accent1"/>
+          </a:fillRef>
+          <a:effectRef idx="0">
+            <a:schemeClr val="accent1"/>
+          </a:effectRef>
+          <a:fontRef idx="minor">
+            <a:schemeClr val="tx1"/>
+          </a:fontRef>
+        </p:style>
+      </p:cxnSp>
+      <p:sp>
+        <p:nvSpPr>
+          <p:cNvPr id="148" name="TextBox 147"/>
+          <p:cNvSpPr txBox="1"/>
+          <p:nvPr/>
+        </p:nvSpPr>
+        <p:spPr>
+          <a:xfrm>
+            <a:off x="4656876" y="6096000"/>
+            <a:ext cx="1471584" cy="153888"/>
+          </a:xfrm>
+          <a:prstGeom prst="rect">
+            <a:avLst/>
+          </a:prstGeom>
+          <a:noFill/>
+        </p:spPr>
+        <p:txBody>
+          <a:bodyPr wrap="square" lIns="0" tIns="0" rIns="0" bIns="0" rtlCol="0">
+            <a:spAutoFit/>
+          </a:bodyPr>
+          <a:lstStyle>
+            <a:defPPr>
+              <a:defRPr lang="en-US"/>
+            </a:defPPr>
+            <a:lvl1pPr algn="r">
+              <a:defRPr sz="1400">
+                <a:solidFill>
+                  <a:srgbClr val="0070C0"/>
+                </a:solidFill>
+              </a:defRPr>
+            </a:lvl1pPr>
+          </a:lstStyle>
+          <a:p>
+            <a:r>
+              <a:rPr lang="en-US" sz="1000" dirty="0" smtClean="0"/>
+              <a:t>:</a:t>
+            </a:r>
+            <a:r>
+              <a:rPr lang="en-US" sz="1000" dirty="0" err="1" smtClean="0"/>
+              <a:t>CommandResult</a:t>
+            </a:r>
+            <a:r>
+              <a:rPr lang="en-US" sz="1000" dirty="0" smtClean="0"/>
+              <a:t>(</a:t>
+            </a:r>
+            <a:r>
+              <a:rPr lang="en-US" sz="1000" dirty="0" err="1" smtClean="0"/>
+              <a:t>Weblink</a:t>
+            </a:r>
+            <a:r>
+              <a:rPr lang="en-US" sz="1000" dirty="0" smtClean="0"/>
+              <a:t>)</a:t>
+            </a:r>
+            <a:endParaRPr lang="en-US" sz="1000" dirty="0"/>
+          </a:p>
+        </p:txBody>
+      </p:sp>
+      <p:cxnSp>
+        <p:nvCxnSpPr>
+          <p:cNvPr id="150" name="Straight Arrow Connector 149">
+            <a:extLst>
+              <a:ext uri="{FF2B5EF4-FFF2-40B4-BE49-F238E27FC236}">
+                <a16:creationId xmlns="" xmlns:a16="http://schemas.microsoft.com/office/drawing/2014/main" id="{7C9F21BC-13A9-471F-825A-2621FD36355F}"/>
+              </a:ext>
+            </a:extLst>
+          </p:cNvPr>
+          <p:cNvCxnSpPr>
+            <a:cxnSpLocks/>
+          </p:cNvCxnSpPr>
+          <p:nvPr/>
+        </p:nvCxnSpPr>
+        <p:spPr>
+          <a:xfrm flipV="1">
+            <a:off x="4408882" y="6601599"/>
+            <a:ext cx="2923201" cy="108"/>
+          </a:xfrm>
+          <a:prstGeom prst="straightConnector1">
+            <a:avLst/>
+          </a:prstGeom>
+          <a:ln w="19050">
+            <a:solidFill>
+              <a:srgbClr val="00B050"/>
+            </a:solidFill>
+            <a:prstDash val="sysDash"/>
+            <a:headEnd type="arrow" w="med" len="med"/>
+            <a:tailEnd type="none" w="med" len="med"/>
+          </a:ln>
+        </p:spPr>
+        <p:style>
+          <a:lnRef idx="1">
+            <a:schemeClr val="accent1"/>
+          </a:lnRef>
+          <a:fillRef idx="0">
+            <a:schemeClr val="accent1"/>
+          </a:fillRef>
+          <a:effectRef idx="0">
+            <a:schemeClr val="accent1"/>
+          </a:effectRef>
+          <a:fontRef idx="minor">
+            <a:schemeClr val="tx1"/>
+          </a:fontRef>
+        </p:style>
+      </p:cxnSp>
     </p:spTree>
     <p:extLst>
       <p:ext uri="{BB962C8B-B14F-4D97-AF65-F5344CB8AC3E}">
